--- a/Workshop/PSA2015_Workshop/presentations/PowerPoints/RAVEN_forward_samplers_CristianRabiti.pptx
+++ b/Workshop/PSA2015_Workshop/presentations/PowerPoints/RAVEN_forward_samplers_CristianRabiti.pptx
@@ -35093,7 +35093,7 @@
         <p:spPr>
           <a:xfrm>
             <a:off x="0" y="1484538"/>
-            <a:ext cx="9144000" cy="3323987"/>
+            <a:ext cx="9144000" cy="2031325"/>
           </a:xfrm>
           <a:prstGeom prst="rect">
             <a:avLst/>
@@ -35329,6 +35329,33 @@
               <a:t>   &lt;</a:t>
             </a:r>
             <a:r>
+              <a:rPr lang="en-US" sz="1400" dirty="0" smtClean="0">
+                <a:solidFill>
+                  <a:srgbClr val="008000"/>
+                </a:solidFill>
+                <a:latin typeface="Courier"/>
+                <a:cs typeface="Courier"/>
+              </a:rPr>
+              <a:t>variables&gt;</a:t>
+            </a:r>
+            <a:r>
+              <a:rPr lang="en-US" sz="1400" dirty="0" smtClean="0">
+                <a:latin typeface="Courier"/>
+                <a:cs typeface="Courier"/>
+              </a:rPr>
+              <a:t>x1,x2,x3,y1,y2,y3,y4</a:t>
+            </a:r>
+            <a:r>
+              <a:rPr lang="en-US" sz="1400" dirty="0" smtClean="0">
+                <a:solidFill>
+                  <a:srgbClr val="008000"/>
+                </a:solidFill>
+                <a:latin typeface="Courier"/>
+                <a:cs typeface="Courier"/>
+              </a:rPr>
+              <a:t>&lt;</a:t>
+            </a:r>
+            <a:r>
               <a:rPr lang="en-US" sz="1400" dirty="0">
                 <a:solidFill>
                   <a:srgbClr val="008000"/>
@@ -35336,45 +35363,25 @@
                 <a:latin typeface="Courier"/>
                 <a:cs typeface="Courier"/>
               </a:rPr>
-              <a:t>variable&gt;</a:t>
+              <a:t>/</a:t>
             </a:r>
             <a:r>
               <a:rPr lang="en-US" sz="1400" dirty="0" smtClean="0">
-                <a:latin typeface="Courier"/>
-                <a:cs typeface="Courier"/>
-              </a:rPr>
-              <a:t>x1</a:t>
-            </a:r>
-            <a:r>
-              <a:rPr lang="en-US" sz="1400" dirty="0" smtClean="0">
-                <a:solidFill>
-                  <a:srgbClr val="008000"/>
-                </a:solidFill>
-                <a:latin typeface="Courier"/>
-                <a:cs typeface="Courier"/>
-              </a:rPr>
-              <a:t>&lt;</a:t>
-            </a:r>
-            <a:r>
-              <a:rPr lang="en-US" sz="1400" dirty="0">
-                <a:solidFill>
-                  <a:srgbClr val="008000"/>
-                </a:solidFill>
-                <a:latin typeface="Courier"/>
-                <a:cs typeface="Courier"/>
-              </a:rPr>
-              <a:t>/variable</a:t>
-            </a:r>
-            <a:r>
-              <a:rPr lang="en-US" sz="1400" dirty="0" smtClean="0">
-                <a:solidFill>
-                  <a:srgbClr val="008000"/>
-                </a:solidFill>
-                <a:latin typeface="Courier"/>
-                <a:cs typeface="Courier"/>
-              </a:rPr>
-              <a:t>&gt;</a:t>
-            </a:r>
+                <a:solidFill>
+                  <a:srgbClr val="008000"/>
+                </a:solidFill>
+                <a:latin typeface="Courier"/>
+                <a:cs typeface="Courier"/>
+              </a:rPr>
+              <a:t>variables&gt;</a:t>
+            </a:r>
+            <a:endParaRPr lang="en-US" sz="1400" dirty="0" smtClean="0">
+              <a:solidFill>
+                <a:srgbClr val="008000"/>
+              </a:solidFill>
+              <a:latin typeface="Courier"/>
+              <a:cs typeface="Courier"/>
+            </a:endParaRPr>
           </a:p>
           <a:p>
             <a:r>
@@ -35385,341 +35392,17 @@
                 <a:latin typeface="Courier"/>
                 <a:cs typeface="Courier"/>
               </a:rPr>
-              <a:t>    &lt;</a:t>
-            </a:r>
-            <a:r>
-              <a:rPr lang="en-US" sz="1400" dirty="0">
-                <a:solidFill>
-                  <a:srgbClr val="008000"/>
-                </a:solidFill>
-                <a:latin typeface="Courier"/>
-                <a:cs typeface="Courier"/>
-              </a:rPr>
-              <a:t>variable&gt;</a:t>
+              <a:t>  &lt;</a:t>
             </a:r>
             <a:r>
               <a:rPr lang="en-US" sz="1400" dirty="0" smtClean="0">
-                <a:latin typeface="Courier"/>
-                <a:cs typeface="Courier"/>
-              </a:rPr>
-              <a:t>x2</a:t>
-            </a:r>
-            <a:r>
-              <a:rPr lang="en-US" sz="1400" dirty="0" smtClean="0">
-                <a:solidFill>
-                  <a:srgbClr val="008000"/>
-                </a:solidFill>
-                <a:latin typeface="Courier"/>
-                <a:cs typeface="Courier"/>
-              </a:rPr>
-              <a:t>&lt;</a:t>
-            </a:r>
-            <a:r>
-              <a:rPr lang="en-US" sz="1400" dirty="0">
-                <a:solidFill>
-                  <a:srgbClr val="008000"/>
-                </a:solidFill>
-                <a:latin typeface="Courier"/>
-                <a:cs typeface="Courier"/>
-              </a:rPr>
-              <a:t>/variable&gt;</a:t>
-            </a:r>
-          </a:p>
-          <a:p>
-            <a:r>
-              <a:rPr lang="en-US" sz="1400" dirty="0" smtClean="0">
-                <a:solidFill>
-                  <a:srgbClr val="008000"/>
-                </a:solidFill>
-                <a:latin typeface="Courier"/>
-                <a:cs typeface="Courier"/>
-              </a:rPr>
-              <a:t>    &lt;</a:t>
-            </a:r>
-            <a:r>
-              <a:rPr lang="en-US" sz="1400" dirty="0">
-                <a:solidFill>
-                  <a:srgbClr val="008000"/>
-                </a:solidFill>
-                <a:latin typeface="Courier"/>
-                <a:cs typeface="Courier"/>
-              </a:rPr>
-              <a:t>variable&gt;</a:t>
-            </a:r>
-            <a:r>
-              <a:rPr lang="en-US" sz="1400" dirty="0" smtClean="0">
-                <a:latin typeface="Courier"/>
-                <a:cs typeface="Courier"/>
-              </a:rPr>
-              <a:t>x3</a:t>
-            </a:r>
-            <a:r>
-              <a:rPr lang="en-US" sz="1400" dirty="0" smtClean="0">
-                <a:solidFill>
-                  <a:srgbClr val="008000"/>
-                </a:solidFill>
-                <a:latin typeface="Courier"/>
-                <a:cs typeface="Courier"/>
-              </a:rPr>
-              <a:t>&lt;</a:t>
-            </a:r>
-            <a:r>
-              <a:rPr lang="en-US" sz="1400" dirty="0">
-                <a:solidFill>
-                  <a:srgbClr val="008000"/>
-                </a:solidFill>
-                <a:latin typeface="Courier"/>
-                <a:cs typeface="Courier"/>
-              </a:rPr>
-              <a:t>/variable&gt;</a:t>
-            </a:r>
-          </a:p>
-          <a:p>
-            <a:r>
-              <a:rPr lang="en-US" sz="1400" dirty="0" smtClean="0">
-                <a:solidFill>
-                  <a:srgbClr val="008000"/>
-                </a:solidFill>
-                <a:latin typeface="Courier"/>
-                <a:cs typeface="Courier"/>
-              </a:rPr>
-              <a:t>    &lt;</a:t>
-            </a:r>
-            <a:r>
-              <a:rPr lang="en-US" sz="1400" dirty="0">
-                <a:solidFill>
-                  <a:srgbClr val="008000"/>
-                </a:solidFill>
-                <a:latin typeface="Courier"/>
-                <a:cs typeface="Courier"/>
-              </a:rPr>
-              <a:t>variable</a:t>
-            </a:r>
-            <a:r>
-              <a:rPr lang="en-US" sz="1400" dirty="0" smtClean="0">
-                <a:solidFill>
-                  <a:srgbClr val="008000"/>
-                </a:solidFill>
-                <a:latin typeface="Courier"/>
-                <a:cs typeface="Courier"/>
-              </a:rPr>
-              <a:t>&gt;</a:t>
-            </a:r>
-            <a:r>
-              <a:rPr lang="en-US" sz="1400" dirty="0" smtClean="0">
-                <a:latin typeface="Courier"/>
-                <a:cs typeface="Courier"/>
-              </a:rPr>
-              <a:t>y1</a:t>
-            </a:r>
-            <a:r>
-              <a:rPr lang="en-US" sz="1400" dirty="0">
-                <a:solidFill>
-                  <a:srgbClr val="008000"/>
-                </a:solidFill>
-                <a:latin typeface="Courier"/>
-                <a:cs typeface="Courier"/>
-              </a:rPr>
-              <a:t>&lt;/variable&gt;</a:t>
-            </a:r>
-          </a:p>
-          <a:p>
-            <a:r>
-              <a:rPr lang="en-US" sz="1400" dirty="0" smtClean="0">
-                <a:solidFill>
-                  <a:srgbClr val="008000"/>
-                </a:solidFill>
-                <a:latin typeface="Courier"/>
-                <a:cs typeface="Courier"/>
-              </a:rPr>
-              <a:t>    &lt;</a:t>
-            </a:r>
-            <a:r>
-              <a:rPr lang="en-US" sz="1400" dirty="0">
-                <a:solidFill>
-                  <a:srgbClr val="008000"/>
-                </a:solidFill>
-                <a:latin typeface="Courier"/>
-                <a:cs typeface="Courier"/>
-              </a:rPr>
-              <a:t>variable</a:t>
-            </a:r>
-            <a:r>
-              <a:rPr lang="en-US" sz="1400" dirty="0" smtClean="0">
-                <a:solidFill>
-                  <a:srgbClr val="008000"/>
-                </a:solidFill>
-                <a:latin typeface="Courier"/>
-                <a:cs typeface="Courier"/>
-              </a:rPr>
-              <a:t>&gt;</a:t>
-            </a:r>
-            <a:r>
-              <a:rPr lang="en-US" sz="1400" dirty="0" smtClean="0">
-                <a:latin typeface="Courier"/>
-                <a:cs typeface="Courier"/>
-              </a:rPr>
-              <a:t>y2</a:t>
-            </a:r>
-            <a:r>
-              <a:rPr lang="en-US" sz="1400" dirty="0" smtClean="0">
-                <a:solidFill>
-                  <a:srgbClr val="008000"/>
-                </a:solidFill>
-                <a:latin typeface="Courier"/>
-                <a:cs typeface="Courier"/>
-              </a:rPr>
-              <a:t>&lt;</a:t>
-            </a:r>
-            <a:r>
-              <a:rPr lang="en-US" sz="1400" dirty="0">
-                <a:solidFill>
-                  <a:srgbClr val="008000"/>
-                </a:solidFill>
-                <a:latin typeface="Courier"/>
-                <a:cs typeface="Courier"/>
-              </a:rPr>
-              <a:t>/variable&gt;</a:t>
-            </a:r>
-          </a:p>
-          <a:p>
-            <a:r>
-              <a:rPr lang="en-US" sz="1400" dirty="0" smtClean="0">
-                <a:solidFill>
-                  <a:srgbClr val="008000"/>
-                </a:solidFill>
-                <a:latin typeface="Courier"/>
-                <a:cs typeface="Courier"/>
-              </a:rPr>
-              <a:t>    &lt;</a:t>
-            </a:r>
-            <a:r>
-              <a:rPr lang="en-US" sz="1400" dirty="0">
-                <a:solidFill>
-                  <a:srgbClr val="008000"/>
-                </a:solidFill>
-                <a:latin typeface="Courier"/>
-                <a:cs typeface="Courier"/>
-              </a:rPr>
-              <a:t>variable</a:t>
-            </a:r>
-            <a:r>
-              <a:rPr lang="en-US" sz="1400" dirty="0" smtClean="0">
-                <a:solidFill>
-                  <a:srgbClr val="008000"/>
-                </a:solidFill>
-                <a:latin typeface="Courier"/>
-                <a:cs typeface="Courier"/>
-              </a:rPr>
-              <a:t>&gt;</a:t>
-            </a:r>
-            <a:r>
-              <a:rPr lang="en-US" sz="1400" dirty="0" smtClean="0">
-                <a:latin typeface="Courier"/>
-                <a:cs typeface="Courier"/>
-              </a:rPr>
-              <a:t>y3</a:t>
-            </a:r>
-            <a:r>
-              <a:rPr lang="en-US" sz="1400" dirty="0" smtClean="0">
-                <a:solidFill>
-                  <a:srgbClr val="008000"/>
-                </a:solidFill>
-                <a:latin typeface="Courier"/>
-                <a:cs typeface="Courier"/>
-              </a:rPr>
-              <a:t>&lt;</a:t>
-            </a:r>
-            <a:r>
-              <a:rPr lang="en-US" sz="1400" dirty="0">
-                <a:solidFill>
-                  <a:srgbClr val="008000"/>
-                </a:solidFill>
-                <a:latin typeface="Courier"/>
-                <a:cs typeface="Courier"/>
-              </a:rPr>
-              <a:t>/variable&gt;</a:t>
-            </a:r>
-          </a:p>
-          <a:p>
-            <a:r>
-              <a:rPr lang="en-US" sz="1400" dirty="0" smtClean="0">
-                <a:solidFill>
-                  <a:srgbClr val="008000"/>
-                </a:solidFill>
-                <a:latin typeface="Courier"/>
-                <a:cs typeface="Courier"/>
-              </a:rPr>
-              <a:t>    &lt;</a:t>
-            </a:r>
-            <a:r>
-              <a:rPr lang="en-US" sz="1400" dirty="0">
-                <a:solidFill>
-                  <a:srgbClr val="008000"/>
-                </a:solidFill>
-                <a:latin typeface="Courier"/>
-                <a:cs typeface="Courier"/>
-              </a:rPr>
-              <a:t>variable</a:t>
-            </a:r>
-            <a:r>
-              <a:rPr lang="en-US" sz="1400" dirty="0" smtClean="0">
-                <a:solidFill>
-                  <a:srgbClr val="008000"/>
-                </a:solidFill>
-                <a:latin typeface="Courier"/>
-                <a:cs typeface="Courier"/>
-              </a:rPr>
-              <a:t>&gt;</a:t>
-            </a:r>
-            <a:r>
-              <a:rPr lang="en-US" sz="1400" dirty="0" smtClean="0">
-                <a:latin typeface="Courier"/>
-                <a:cs typeface="Courier"/>
-              </a:rPr>
-              <a:t>y4</a:t>
-            </a:r>
-            <a:r>
-              <a:rPr lang="en-US" sz="1400" dirty="0" smtClean="0">
-                <a:solidFill>
-                  <a:srgbClr val="008000"/>
-                </a:solidFill>
-                <a:latin typeface="Courier"/>
-                <a:cs typeface="Courier"/>
-              </a:rPr>
-              <a:t>&lt;</a:t>
-            </a:r>
-            <a:r>
-              <a:rPr lang="en-US" sz="1400" dirty="0">
-                <a:solidFill>
-                  <a:srgbClr val="008000"/>
-                </a:solidFill>
-                <a:latin typeface="Courier"/>
-                <a:cs typeface="Courier"/>
-              </a:rPr>
-              <a:t>/variable</a:t>
-            </a:r>
-            <a:r>
-              <a:rPr lang="en-US" sz="1400" dirty="0" smtClean="0">
-                <a:solidFill>
-                  <a:srgbClr val="008000"/>
-                </a:solidFill>
-                <a:latin typeface="Courier"/>
-                <a:cs typeface="Courier"/>
-              </a:rPr>
-              <a:t>&gt;</a:t>
-            </a:r>
-          </a:p>
-          <a:p>
-            <a:r>
-              <a:rPr lang="en-US" sz="1400" dirty="0" smtClean="0">
-                <a:solidFill>
-                  <a:srgbClr val="008000"/>
-                </a:solidFill>
-                <a:latin typeface="Courier"/>
-                <a:cs typeface="Courier"/>
-              </a:rPr>
-              <a:t>  &lt;/</a:t>
+                <a:solidFill>
+                  <a:srgbClr val="008000"/>
+                </a:solidFill>
+                <a:latin typeface="Courier"/>
+                <a:cs typeface="Courier"/>
+              </a:rPr>
+              <a:t>/</a:t>
             </a:r>
             <a:r>
               <a:rPr lang="en-US" sz="1400" dirty="0" err="1" smtClean="0">
@@ -36635,7 +36318,7 @@
         <p:spPr>
           <a:xfrm>
             <a:off x="0" y="1484538"/>
-            <a:ext cx="9144000" cy="3323987"/>
+            <a:ext cx="9144000" cy="2031325"/>
           </a:xfrm>
           <a:prstGeom prst="rect">
             <a:avLst/>
@@ -36868,7 +36551,7 @@
                 <a:latin typeface="Courier"/>
                 <a:cs typeface="Courier"/>
               </a:rPr>
-              <a:t>   &lt;</a:t>
+              <a:t>   </a:t>
             </a:r>
             <a:r>
               <a:rPr lang="en-US" sz="1400" dirty="0">
@@ -36878,44 +36561,24 @@
                 <a:latin typeface="Courier"/>
                 <a:cs typeface="Courier"/>
               </a:rPr>
-              <a:t>variable&gt;</a:t>
-            </a:r>
-            <a:r>
-              <a:rPr lang="en-US" sz="1400" dirty="0" smtClean="0">
-                <a:latin typeface="Courier"/>
-                <a:cs typeface="Courier"/>
-              </a:rPr>
-              <a:t>x1</a:t>
-            </a:r>
-            <a:r>
-              <a:rPr lang="en-US" sz="1400" dirty="0" smtClean="0">
-                <a:solidFill>
-                  <a:srgbClr val="008000"/>
-                </a:solidFill>
-                <a:latin typeface="Courier"/>
-                <a:cs typeface="Courier"/>
-              </a:rPr>
-              <a:t>&lt;</a:t>
+              <a:t>&lt;variables&gt;</a:t>
             </a:r>
             <a:r>
               <a:rPr lang="en-US" sz="1400" dirty="0">
-                <a:solidFill>
-                  <a:srgbClr val="008000"/>
-                </a:solidFill>
-                <a:latin typeface="Courier"/>
-                <a:cs typeface="Courier"/>
-              </a:rPr>
-              <a:t>/variable</a:t>
-            </a:r>
-            <a:r>
-              <a:rPr lang="en-US" sz="1400" dirty="0" smtClean="0">
-                <a:solidFill>
-                  <a:srgbClr val="008000"/>
-                </a:solidFill>
-                <a:latin typeface="Courier"/>
-                <a:cs typeface="Courier"/>
-              </a:rPr>
-              <a:t>&gt;</a:t>
+                <a:latin typeface="Courier"/>
+                <a:cs typeface="Courier"/>
+              </a:rPr>
+              <a:t>x1,x2,x3,y1,y2,y3,y4</a:t>
+            </a:r>
+            <a:r>
+              <a:rPr lang="en-US" sz="1400" dirty="0">
+                <a:solidFill>
+                  <a:srgbClr val="008000"/>
+                </a:solidFill>
+                <a:latin typeface="Courier"/>
+                <a:cs typeface="Courier"/>
+              </a:rPr>
+              <a:t>&lt;/variables&gt;</a:t>
             </a:r>
           </a:p>
           <a:p>
@@ -36927,341 +36590,17 @@
                 <a:latin typeface="Courier"/>
                 <a:cs typeface="Courier"/>
               </a:rPr>
-              <a:t>    &lt;</a:t>
-            </a:r>
-            <a:r>
-              <a:rPr lang="en-US" sz="1400" dirty="0">
-                <a:solidFill>
-                  <a:srgbClr val="008000"/>
-                </a:solidFill>
-                <a:latin typeface="Courier"/>
-                <a:cs typeface="Courier"/>
-              </a:rPr>
-              <a:t>variable&gt;</a:t>
+              <a:t>  </a:t>
             </a:r>
             <a:r>
               <a:rPr lang="en-US" sz="1400" dirty="0" smtClean="0">
-                <a:latin typeface="Courier"/>
-                <a:cs typeface="Courier"/>
-              </a:rPr>
-              <a:t>x2</a:t>
-            </a:r>
-            <a:r>
-              <a:rPr lang="en-US" sz="1400" dirty="0" smtClean="0">
-                <a:solidFill>
-                  <a:srgbClr val="008000"/>
-                </a:solidFill>
-                <a:latin typeface="Courier"/>
-                <a:cs typeface="Courier"/>
-              </a:rPr>
-              <a:t>&lt;</a:t>
-            </a:r>
-            <a:r>
-              <a:rPr lang="en-US" sz="1400" dirty="0">
-                <a:solidFill>
-                  <a:srgbClr val="008000"/>
-                </a:solidFill>
-                <a:latin typeface="Courier"/>
-                <a:cs typeface="Courier"/>
-              </a:rPr>
-              <a:t>/variable&gt;</a:t>
-            </a:r>
-          </a:p>
-          <a:p>
-            <a:r>
-              <a:rPr lang="en-US" sz="1400" dirty="0" smtClean="0">
-                <a:solidFill>
-                  <a:srgbClr val="008000"/>
-                </a:solidFill>
-                <a:latin typeface="Courier"/>
-                <a:cs typeface="Courier"/>
-              </a:rPr>
-              <a:t>    &lt;</a:t>
-            </a:r>
-            <a:r>
-              <a:rPr lang="en-US" sz="1400" dirty="0">
-                <a:solidFill>
-                  <a:srgbClr val="008000"/>
-                </a:solidFill>
-                <a:latin typeface="Courier"/>
-                <a:cs typeface="Courier"/>
-              </a:rPr>
-              <a:t>variable&gt;</a:t>
-            </a:r>
-            <a:r>
-              <a:rPr lang="en-US" sz="1400" dirty="0" smtClean="0">
-                <a:latin typeface="Courier"/>
-                <a:cs typeface="Courier"/>
-              </a:rPr>
-              <a:t>x3</a:t>
-            </a:r>
-            <a:r>
-              <a:rPr lang="en-US" sz="1400" dirty="0" smtClean="0">
-                <a:solidFill>
-                  <a:srgbClr val="008000"/>
-                </a:solidFill>
-                <a:latin typeface="Courier"/>
-                <a:cs typeface="Courier"/>
-              </a:rPr>
-              <a:t>&lt;</a:t>
-            </a:r>
-            <a:r>
-              <a:rPr lang="en-US" sz="1400" dirty="0">
-                <a:solidFill>
-                  <a:srgbClr val="008000"/>
-                </a:solidFill>
-                <a:latin typeface="Courier"/>
-                <a:cs typeface="Courier"/>
-              </a:rPr>
-              <a:t>/variable&gt;</a:t>
-            </a:r>
-          </a:p>
-          <a:p>
-            <a:r>
-              <a:rPr lang="en-US" sz="1400" dirty="0" smtClean="0">
-                <a:solidFill>
-                  <a:srgbClr val="008000"/>
-                </a:solidFill>
-                <a:latin typeface="Courier"/>
-                <a:cs typeface="Courier"/>
-              </a:rPr>
-              <a:t>    &lt;</a:t>
-            </a:r>
-            <a:r>
-              <a:rPr lang="en-US" sz="1400" dirty="0">
-                <a:solidFill>
-                  <a:srgbClr val="008000"/>
-                </a:solidFill>
-                <a:latin typeface="Courier"/>
-                <a:cs typeface="Courier"/>
-              </a:rPr>
-              <a:t>variable</a:t>
-            </a:r>
-            <a:r>
-              <a:rPr lang="en-US" sz="1400" dirty="0" smtClean="0">
-                <a:solidFill>
-                  <a:srgbClr val="008000"/>
-                </a:solidFill>
-                <a:latin typeface="Courier"/>
-                <a:cs typeface="Courier"/>
-              </a:rPr>
-              <a:t>&gt;</a:t>
-            </a:r>
-            <a:r>
-              <a:rPr lang="en-US" sz="1400" dirty="0" smtClean="0">
-                <a:latin typeface="Courier"/>
-                <a:cs typeface="Courier"/>
-              </a:rPr>
-              <a:t>y1</a:t>
-            </a:r>
-            <a:r>
-              <a:rPr lang="en-US" sz="1400" dirty="0">
-                <a:solidFill>
-                  <a:srgbClr val="008000"/>
-                </a:solidFill>
-                <a:latin typeface="Courier"/>
-                <a:cs typeface="Courier"/>
-              </a:rPr>
-              <a:t>&lt;/variable&gt;</a:t>
-            </a:r>
-          </a:p>
-          <a:p>
-            <a:r>
-              <a:rPr lang="en-US" sz="1400" dirty="0" smtClean="0">
-                <a:solidFill>
-                  <a:srgbClr val="008000"/>
-                </a:solidFill>
-                <a:latin typeface="Courier"/>
-                <a:cs typeface="Courier"/>
-              </a:rPr>
-              <a:t>    &lt;</a:t>
-            </a:r>
-            <a:r>
-              <a:rPr lang="en-US" sz="1400" dirty="0">
-                <a:solidFill>
-                  <a:srgbClr val="008000"/>
-                </a:solidFill>
-                <a:latin typeface="Courier"/>
-                <a:cs typeface="Courier"/>
-              </a:rPr>
-              <a:t>variable</a:t>
-            </a:r>
-            <a:r>
-              <a:rPr lang="en-US" sz="1400" dirty="0" smtClean="0">
-                <a:solidFill>
-                  <a:srgbClr val="008000"/>
-                </a:solidFill>
-                <a:latin typeface="Courier"/>
-                <a:cs typeface="Courier"/>
-              </a:rPr>
-              <a:t>&gt;</a:t>
-            </a:r>
-            <a:r>
-              <a:rPr lang="en-US" sz="1400" dirty="0" smtClean="0">
-                <a:latin typeface="Courier"/>
-                <a:cs typeface="Courier"/>
-              </a:rPr>
-              <a:t>y2</a:t>
-            </a:r>
-            <a:r>
-              <a:rPr lang="en-US" sz="1400" dirty="0" smtClean="0">
-                <a:solidFill>
-                  <a:srgbClr val="008000"/>
-                </a:solidFill>
-                <a:latin typeface="Courier"/>
-                <a:cs typeface="Courier"/>
-              </a:rPr>
-              <a:t>&lt;</a:t>
-            </a:r>
-            <a:r>
-              <a:rPr lang="en-US" sz="1400" dirty="0">
-                <a:solidFill>
-                  <a:srgbClr val="008000"/>
-                </a:solidFill>
-                <a:latin typeface="Courier"/>
-                <a:cs typeface="Courier"/>
-              </a:rPr>
-              <a:t>/variable&gt;</a:t>
-            </a:r>
-          </a:p>
-          <a:p>
-            <a:r>
-              <a:rPr lang="en-US" sz="1400" dirty="0" smtClean="0">
-                <a:solidFill>
-                  <a:srgbClr val="008000"/>
-                </a:solidFill>
-                <a:latin typeface="Courier"/>
-                <a:cs typeface="Courier"/>
-              </a:rPr>
-              <a:t>    &lt;</a:t>
-            </a:r>
-            <a:r>
-              <a:rPr lang="en-US" sz="1400" dirty="0">
-                <a:solidFill>
-                  <a:srgbClr val="008000"/>
-                </a:solidFill>
-                <a:latin typeface="Courier"/>
-                <a:cs typeface="Courier"/>
-              </a:rPr>
-              <a:t>variable</a:t>
-            </a:r>
-            <a:r>
-              <a:rPr lang="en-US" sz="1400" dirty="0" smtClean="0">
-                <a:solidFill>
-                  <a:srgbClr val="008000"/>
-                </a:solidFill>
-                <a:latin typeface="Courier"/>
-                <a:cs typeface="Courier"/>
-              </a:rPr>
-              <a:t>&gt;</a:t>
-            </a:r>
-            <a:r>
-              <a:rPr lang="en-US" sz="1400" dirty="0" smtClean="0">
-                <a:latin typeface="Courier"/>
-                <a:cs typeface="Courier"/>
-              </a:rPr>
-              <a:t>y3</a:t>
-            </a:r>
-            <a:r>
-              <a:rPr lang="en-US" sz="1400" dirty="0" smtClean="0">
-                <a:solidFill>
-                  <a:srgbClr val="008000"/>
-                </a:solidFill>
-                <a:latin typeface="Courier"/>
-                <a:cs typeface="Courier"/>
-              </a:rPr>
-              <a:t>&lt;</a:t>
-            </a:r>
-            <a:r>
-              <a:rPr lang="en-US" sz="1400" dirty="0">
-                <a:solidFill>
-                  <a:srgbClr val="008000"/>
-                </a:solidFill>
-                <a:latin typeface="Courier"/>
-                <a:cs typeface="Courier"/>
-              </a:rPr>
-              <a:t>/variable&gt;</a:t>
-            </a:r>
-          </a:p>
-          <a:p>
-            <a:r>
-              <a:rPr lang="en-US" sz="1400" dirty="0" smtClean="0">
-                <a:solidFill>
-                  <a:srgbClr val="008000"/>
-                </a:solidFill>
-                <a:latin typeface="Courier"/>
-                <a:cs typeface="Courier"/>
-              </a:rPr>
-              <a:t>    &lt;</a:t>
-            </a:r>
-            <a:r>
-              <a:rPr lang="en-US" sz="1400" dirty="0">
-                <a:solidFill>
-                  <a:srgbClr val="008000"/>
-                </a:solidFill>
-                <a:latin typeface="Courier"/>
-                <a:cs typeface="Courier"/>
-              </a:rPr>
-              <a:t>variable</a:t>
-            </a:r>
-            <a:r>
-              <a:rPr lang="en-US" sz="1400" dirty="0" smtClean="0">
-                <a:solidFill>
-                  <a:srgbClr val="008000"/>
-                </a:solidFill>
-                <a:latin typeface="Courier"/>
-                <a:cs typeface="Courier"/>
-              </a:rPr>
-              <a:t>&gt;</a:t>
-            </a:r>
-            <a:r>
-              <a:rPr lang="en-US" sz="1400" dirty="0" smtClean="0">
-                <a:latin typeface="Courier"/>
-                <a:cs typeface="Courier"/>
-              </a:rPr>
-              <a:t>y4</a:t>
-            </a:r>
-            <a:r>
-              <a:rPr lang="en-US" sz="1400" dirty="0" smtClean="0">
-                <a:solidFill>
-                  <a:srgbClr val="008000"/>
-                </a:solidFill>
-                <a:latin typeface="Courier"/>
-                <a:cs typeface="Courier"/>
-              </a:rPr>
-              <a:t>&lt;</a:t>
-            </a:r>
-            <a:r>
-              <a:rPr lang="en-US" sz="1400" dirty="0">
-                <a:solidFill>
-                  <a:srgbClr val="008000"/>
-                </a:solidFill>
-                <a:latin typeface="Courier"/>
-                <a:cs typeface="Courier"/>
-              </a:rPr>
-              <a:t>/variable</a:t>
-            </a:r>
-            <a:r>
-              <a:rPr lang="en-US" sz="1400" dirty="0" smtClean="0">
-                <a:solidFill>
-                  <a:srgbClr val="008000"/>
-                </a:solidFill>
-                <a:latin typeface="Courier"/>
-                <a:cs typeface="Courier"/>
-              </a:rPr>
-              <a:t>&gt;</a:t>
-            </a:r>
-          </a:p>
-          <a:p>
-            <a:r>
-              <a:rPr lang="en-US" sz="1400" dirty="0" smtClean="0">
-                <a:solidFill>
-                  <a:srgbClr val="008000"/>
-                </a:solidFill>
-                <a:latin typeface="Courier"/>
-                <a:cs typeface="Courier"/>
-              </a:rPr>
-              <a:t>  &lt;/</a:t>
+                <a:solidFill>
+                  <a:srgbClr val="008000"/>
+                </a:solidFill>
+                <a:latin typeface="Courier"/>
+                <a:cs typeface="Courier"/>
+              </a:rPr>
+              <a:t>&lt;/</a:t>
             </a:r>
             <a:r>
               <a:rPr lang="en-US" sz="1400" dirty="0" err="1" smtClean="0">
@@ -46411,7 +45750,7 @@
         <p:spPr>
           <a:xfrm>
             <a:off x="455613" y="1602118"/>
-            <a:ext cx="8218942" cy="2123658"/>
+            <a:ext cx="8218942" cy="1754327"/>
           </a:xfrm>
           <a:prstGeom prst="rect">
             <a:avLst/>
@@ -46541,84 +45880,6 @@
                 <a:cs typeface="Courier"/>
               </a:rPr>
               <a:t>WorkingDir</a:t>
-            </a:r>
-            <a:r>
-              <a:rPr lang="en-US" sz="1200" dirty="0" smtClean="0">
-                <a:solidFill>
-                  <a:srgbClr val="008000"/>
-                </a:solidFill>
-                <a:latin typeface="Courier"/>
-                <a:cs typeface="Courier"/>
-              </a:rPr>
-              <a:t>&gt;</a:t>
-            </a:r>
-          </a:p>
-          <a:p>
-            <a:endParaRPr lang="en-US" sz="1200" dirty="0" smtClean="0">
-              <a:solidFill>
-                <a:srgbClr val="008000"/>
-              </a:solidFill>
-              <a:latin typeface="Courier"/>
-              <a:cs typeface="Courier"/>
-            </a:endParaRPr>
-          </a:p>
-          <a:p>
-            <a:r>
-              <a:rPr lang="en-US" sz="1200" dirty="0" smtClean="0">
-                <a:solidFill>
-                  <a:srgbClr val="008000"/>
-                </a:solidFill>
-                <a:latin typeface="Courier"/>
-                <a:cs typeface="Courier"/>
-              </a:rPr>
-              <a:t>   </a:t>
-            </a:r>
-            <a:r>
-              <a:rPr lang="en-US" sz="1200" dirty="0">
-                <a:solidFill>
-                  <a:srgbClr val="008000"/>
-                </a:solidFill>
-                <a:latin typeface="Courier"/>
-                <a:cs typeface="Courier"/>
-              </a:rPr>
-              <a:t> &lt;Files</a:t>
-            </a:r>
-            <a:r>
-              <a:rPr lang="en-US" sz="1200" dirty="0" smtClean="0">
-                <a:solidFill>
-                  <a:srgbClr val="008000"/>
-                </a:solidFill>
-                <a:latin typeface="Courier"/>
-                <a:cs typeface="Courier"/>
-              </a:rPr>
-              <a:t>&gt;</a:t>
-            </a:r>
-            <a:r>
-              <a:rPr lang="en-US" sz="1200" dirty="0" err="1" smtClean="0">
-                <a:latin typeface="Courier"/>
-                <a:cs typeface="Courier"/>
-              </a:rPr>
-              <a:t>workshop_function.py,output_basicStatistics.csv</a:t>
-            </a:r>
-            <a:r>
-              <a:rPr lang="en-US" sz="1200" dirty="0" smtClean="0">
-                <a:solidFill>
-                  <a:srgbClr val="008000"/>
-                </a:solidFill>
-                <a:latin typeface="Courier"/>
-                <a:cs typeface="Courier"/>
-              </a:rPr>
-              <a:t>&lt;</a:t>
-            </a:r>
-            <a:r>
-              <a:rPr lang="en-US" sz="1200" dirty="0">
-                <a:solidFill>
-                  <a:srgbClr val="008000"/>
-                </a:solidFill>
-                <a:latin typeface="Courier"/>
-                <a:cs typeface="Courier"/>
-              </a:rPr>
-              <a:t>/Files</a:t>
             </a:r>
             <a:r>
               <a:rPr lang="en-US" sz="1200" dirty="0" smtClean="0">
@@ -49090,14 +48351,14 @@
               <a:t>‘CDF’ </a:t>
             </a:r>
             <a:r>
-              <a:rPr lang="en-US" sz="1400" dirty="0" err="1">
+              <a:rPr lang="en-US" sz="1400" dirty="0" smtClean="0">
                 <a:solidFill>
                   <a:srgbClr val="660066"/>
                 </a:solidFill>
                 <a:latin typeface="Courier"/>
                 <a:cs typeface="Courier"/>
               </a:rPr>
-              <a:t>lowerBound</a:t>
+              <a:t>construction</a:t>
             </a:r>
             <a:r>
               <a:rPr lang="en-US" sz="1400" dirty="0" smtClean="0">
@@ -49107,85 +48368,58 @@
               <a:t>=</a:t>
             </a:r>
             <a:r>
+              <a:rPr lang="en-US" sz="1400" dirty="0">
+                <a:solidFill>
+                  <a:srgbClr val="0000FF"/>
+                </a:solidFill>
+                <a:latin typeface="Courier"/>
+                <a:cs typeface="Courier"/>
+              </a:rPr>
+              <a:t>‘equal’ </a:t>
+            </a:r>
+            <a:r>
               <a:rPr lang="en-US" sz="1400" dirty="0" smtClean="0">
                 <a:solidFill>
+                  <a:srgbClr val="660066"/>
+                </a:solidFill>
+                <a:latin typeface="Courier"/>
+                <a:cs typeface="Courier"/>
+              </a:rPr>
+              <a:t>steps</a:t>
+            </a:r>
+            <a:r>
+              <a:rPr lang="en-US" sz="1400" dirty="0" smtClean="0">
+                <a:latin typeface="Courier"/>
+                <a:cs typeface="Courier"/>
+              </a:rPr>
+              <a:t>=</a:t>
+            </a:r>
+            <a:r>
+              <a:rPr lang="en-US" sz="1400" dirty="0" smtClean="0">
+                <a:solidFill>
                   <a:srgbClr val="0000FF"/>
                 </a:solidFill>
                 <a:latin typeface="Courier"/>
                 <a:cs typeface="Courier"/>
               </a:rPr>
-              <a:t>‘0.0’ </a:t>
-            </a:r>
-            <a:r>
-              <a:rPr lang="en-US" sz="1400" dirty="0">
-                <a:solidFill>
-                  <a:srgbClr val="660066"/>
-                </a:solidFill>
-                <a:latin typeface="Courier"/>
-                <a:cs typeface="Courier"/>
-              </a:rPr>
-              <a:t>construction</a:t>
+              <a:t>‘10’ </a:t>
             </a:r>
             <a:r>
               <a:rPr lang="en-US" sz="1400" dirty="0" smtClean="0">
-                <a:latin typeface="Courier"/>
-                <a:cs typeface="Courier"/>
-              </a:rPr>
-              <a:t>=</a:t>
-            </a:r>
-            <a:r>
-              <a:rPr lang="en-US" sz="1400" dirty="0">
-                <a:solidFill>
-                  <a:srgbClr val="0000FF"/>
-                </a:solidFill>
-                <a:latin typeface="Courier"/>
-                <a:cs typeface="Courier"/>
-              </a:rPr>
-              <a:t>‘equal’ </a:t>
+                <a:solidFill>
+                  <a:srgbClr val="008000"/>
+                </a:solidFill>
+                <a:latin typeface="Courier"/>
+                <a:cs typeface="Courier"/>
+              </a:rPr>
+              <a:t>&gt;</a:t>
             </a:r>
             <a:r>
               <a:rPr lang="en-US" sz="1400" dirty="0" smtClean="0">
-                <a:solidFill>
-                  <a:srgbClr val="660066"/>
-                </a:solidFill>
-                <a:latin typeface="Courier"/>
-                <a:cs typeface="Courier"/>
-              </a:rPr>
-              <a:t>steps</a:t>
-            </a:r>
-            <a:r>
-              <a:rPr lang="en-US" sz="1400" dirty="0" smtClean="0">
-                <a:latin typeface="Courier"/>
-                <a:cs typeface="Courier"/>
-              </a:rPr>
-              <a:t>=</a:t>
-            </a:r>
-            <a:r>
-              <a:rPr lang="en-US" sz="1400" dirty="0" smtClean="0">
-                <a:solidFill>
-                  <a:srgbClr val="0000FF"/>
-                </a:solidFill>
-                <a:latin typeface="Courier"/>
-                <a:cs typeface="Courier"/>
-              </a:rPr>
-              <a:t>‘10’ </a:t>
-            </a:r>
-            <a:r>
-              <a:rPr lang="en-US" sz="1400" dirty="0" smtClean="0">
-                <a:solidFill>
-                  <a:srgbClr val="008000"/>
-                </a:solidFill>
-                <a:latin typeface="Courier"/>
-                <a:cs typeface="Courier"/>
-              </a:rPr>
-              <a:t>&gt;</a:t>
-            </a:r>
-            <a:r>
-              <a:rPr lang="en-US" sz="1400" dirty="0" smtClean="0">
-                <a:latin typeface="Courier"/>
-                <a:cs typeface="Courier"/>
-              </a:rPr>
-              <a:t>0.1</a:t>
+                <a:latin typeface="Courier"/>
+                <a:cs typeface="Courier"/>
+              </a:rPr>
+              <a:t>0.0 1.0</a:t>
             </a:r>
             <a:r>
               <a:rPr lang="en-US" sz="1400" dirty="0" smtClean="0">
@@ -49444,14 +48678,14 @@
               <a:t>‘value’ </a:t>
             </a:r>
             <a:r>
-              <a:rPr lang="en-US" sz="1400" dirty="0" err="1" smtClean="0">
+              <a:rPr lang="en-US" sz="1400" dirty="0" smtClean="0">
                 <a:solidFill>
                   <a:srgbClr val="660066"/>
                 </a:solidFill>
                 <a:latin typeface="Courier"/>
                 <a:cs typeface="Courier"/>
               </a:rPr>
-              <a:t>lowerBound</a:t>
+              <a:t>construction</a:t>
             </a:r>
             <a:r>
               <a:rPr lang="en-US" sz="1400" dirty="0" smtClean="0">
@@ -49461,6 +48695,33 @@
               <a:t>=</a:t>
             </a:r>
             <a:r>
+              <a:rPr lang="en-US" sz="1400" dirty="0">
+                <a:solidFill>
+                  <a:srgbClr val="0000FF"/>
+                </a:solidFill>
+                <a:latin typeface="Courier"/>
+                <a:cs typeface="Courier"/>
+              </a:rPr>
+              <a:t>‘equal’ </a:t>
+            </a:r>
+            <a:r>
+              <a:rPr lang="en-US" sz="1400" dirty="0">
+                <a:solidFill>
+                  <a:srgbClr val="660066"/>
+                </a:solidFill>
+                <a:latin typeface="Courier"/>
+                <a:cs typeface="Courier"/>
+              </a:rPr>
+              <a:t>steps</a:t>
+            </a:r>
+            <a:r>
+              <a:rPr lang="en-US" sz="1400" dirty="0">
+                <a:latin typeface="Courier"/>
+                <a:cs typeface="Courier"/>
+              </a:rPr>
+              <a:t>=</a:t>
+            </a:r>
+            <a:r>
               <a:rPr lang="en-US" sz="1400" dirty="0" smtClean="0">
                 <a:solidFill>
                   <a:srgbClr val="0000FF"/>
@@ -49468,78 +48729,24 @@
                 <a:latin typeface="Courier"/>
                 <a:cs typeface="Courier"/>
               </a:rPr>
-              <a:t>‘0.9’ </a:t>
-            </a:r>
-            <a:r>
-              <a:rPr lang="en-US" sz="1400" dirty="0">
-                <a:solidFill>
-                  <a:srgbClr val="660066"/>
-                </a:solidFill>
-                <a:latin typeface="Courier"/>
-                <a:cs typeface="Courier"/>
-              </a:rPr>
-              <a:t>construction</a:t>
+              <a:t>‘8’ </a:t>
             </a:r>
             <a:r>
               <a:rPr lang="en-US" sz="1400" dirty="0" smtClean="0">
-                <a:latin typeface="Courier"/>
-                <a:cs typeface="Courier"/>
-              </a:rPr>
-              <a:t>=</a:t>
-            </a:r>
-            <a:r>
-              <a:rPr lang="en-US" sz="1400" dirty="0">
-                <a:solidFill>
-                  <a:srgbClr val="0000FF"/>
-                </a:solidFill>
-                <a:latin typeface="Courier"/>
-                <a:cs typeface="Courier"/>
-              </a:rPr>
-              <a:t>‘equal’ </a:t>
-            </a:r>
-            <a:r>
-              <a:rPr lang="en-US" sz="1400" dirty="0">
-                <a:solidFill>
-                  <a:srgbClr val="660066"/>
-                </a:solidFill>
-                <a:latin typeface="Courier"/>
-                <a:cs typeface="Courier"/>
-              </a:rPr>
-              <a:t>steps</a:t>
-            </a:r>
-            <a:r>
-              <a:rPr lang="en-US" sz="1400" dirty="0">
-                <a:latin typeface="Courier"/>
-                <a:cs typeface="Courier"/>
-              </a:rPr>
-              <a:t>=</a:t>
+                <a:solidFill>
+                  <a:srgbClr val="008000"/>
+                </a:solidFill>
+                <a:latin typeface="Courier"/>
+                <a:cs typeface="Courier"/>
+              </a:rPr>
+              <a:t>&gt;</a:t>
             </a:r>
             <a:r>
               <a:rPr lang="en-US" sz="1400" dirty="0" smtClean="0">
-                <a:solidFill>
-                  <a:srgbClr val="0000FF"/>
-                </a:solidFill>
-                <a:latin typeface="Courier"/>
-                <a:cs typeface="Courier"/>
-              </a:rPr>
-              <a:t>‘8’ </a:t>
-            </a:r>
-            <a:r>
-              <a:rPr lang="en-US" sz="1400" dirty="0" smtClean="0">
-                <a:solidFill>
-                  <a:srgbClr val="008000"/>
-                </a:solidFill>
-                <a:latin typeface="Courier"/>
-                <a:cs typeface="Courier"/>
-              </a:rPr>
-              <a:t>&gt;</a:t>
-            </a:r>
-            <a:r>
-              <a:rPr lang="en-US" sz="1400" dirty="0" smtClean="0">
-                <a:latin typeface="Courier"/>
-                <a:cs typeface="Courier"/>
-              </a:rPr>
-              <a:t>0.1</a:t>
+                <a:latin typeface="Courier"/>
+                <a:cs typeface="Courier"/>
+              </a:rPr>
+              <a:t>0.0 0.9</a:t>
             </a:r>
             <a:r>
               <a:rPr lang="en-US" sz="1400" dirty="0" smtClean="0">
@@ -50297,14 +49504,14 @@
               <a:t>‘CDF’ </a:t>
             </a:r>
             <a:r>
-              <a:rPr lang="en-US" sz="1400" dirty="0" err="1">
+              <a:rPr lang="en-US" sz="1400" dirty="0" smtClean="0">
                 <a:solidFill>
                   <a:srgbClr val="660066"/>
                 </a:solidFill>
                 <a:latin typeface="Courier"/>
                 <a:cs typeface="Courier"/>
               </a:rPr>
-              <a:t>lowerBound</a:t>
+              <a:t>construction</a:t>
             </a:r>
             <a:r>
               <a:rPr lang="en-US" sz="1400" dirty="0" smtClean="0">
@@ -50314,85 +49521,58 @@
               <a:t>=</a:t>
             </a:r>
             <a:r>
+              <a:rPr lang="en-US" sz="1400" dirty="0">
+                <a:solidFill>
+                  <a:srgbClr val="0000FF"/>
+                </a:solidFill>
+                <a:latin typeface="Courier"/>
+                <a:cs typeface="Courier"/>
+              </a:rPr>
+              <a:t>‘equal’ </a:t>
+            </a:r>
+            <a:r>
               <a:rPr lang="en-US" sz="1400" dirty="0" smtClean="0">
                 <a:solidFill>
+                  <a:srgbClr val="660066"/>
+                </a:solidFill>
+                <a:latin typeface="Courier"/>
+                <a:cs typeface="Courier"/>
+              </a:rPr>
+              <a:t>steps</a:t>
+            </a:r>
+            <a:r>
+              <a:rPr lang="en-US" sz="1400" dirty="0" smtClean="0">
+                <a:latin typeface="Courier"/>
+                <a:cs typeface="Courier"/>
+              </a:rPr>
+              <a:t>=</a:t>
+            </a:r>
+            <a:r>
+              <a:rPr lang="en-US" sz="1400" dirty="0" smtClean="0">
+                <a:solidFill>
                   <a:srgbClr val="0000FF"/>
                 </a:solidFill>
                 <a:latin typeface="Courier"/>
                 <a:cs typeface="Courier"/>
               </a:rPr>
-              <a:t>‘0.0’ </a:t>
-            </a:r>
-            <a:r>
-              <a:rPr lang="en-US" sz="1400" dirty="0">
-                <a:solidFill>
-                  <a:srgbClr val="660066"/>
-                </a:solidFill>
-                <a:latin typeface="Courier"/>
-                <a:cs typeface="Courier"/>
-              </a:rPr>
-              <a:t>construction</a:t>
+              <a:t>‘500’ </a:t>
             </a:r>
             <a:r>
               <a:rPr lang="en-US" sz="1400" dirty="0" smtClean="0">
-                <a:latin typeface="Courier"/>
-                <a:cs typeface="Courier"/>
-              </a:rPr>
-              <a:t>=</a:t>
-            </a:r>
-            <a:r>
-              <a:rPr lang="en-US" sz="1400" dirty="0">
-                <a:solidFill>
-                  <a:srgbClr val="0000FF"/>
-                </a:solidFill>
-                <a:latin typeface="Courier"/>
-                <a:cs typeface="Courier"/>
-              </a:rPr>
-              <a:t>‘equal’ </a:t>
+                <a:solidFill>
+                  <a:srgbClr val="008000"/>
+                </a:solidFill>
+                <a:latin typeface="Courier"/>
+                <a:cs typeface="Courier"/>
+              </a:rPr>
+              <a:t>&gt;</a:t>
             </a:r>
             <a:r>
               <a:rPr lang="en-US" sz="1400" dirty="0" smtClean="0">
-                <a:solidFill>
-                  <a:srgbClr val="660066"/>
-                </a:solidFill>
-                <a:latin typeface="Courier"/>
-                <a:cs typeface="Courier"/>
-              </a:rPr>
-              <a:t>steps</a:t>
-            </a:r>
-            <a:r>
-              <a:rPr lang="en-US" sz="1400" dirty="0" smtClean="0">
-                <a:latin typeface="Courier"/>
-                <a:cs typeface="Courier"/>
-              </a:rPr>
-              <a:t>=</a:t>
-            </a:r>
-            <a:r>
-              <a:rPr lang="en-US" sz="1400" dirty="0" smtClean="0">
-                <a:solidFill>
-                  <a:srgbClr val="0000FF"/>
-                </a:solidFill>
-                <a:latin typeface="Courier"/>
-                <a:cs typeface="Courier"/>
-              </a:rPr>
-              <a:t>‘500’ </a:t>
-            </a:r>
-            <a:r>
-              <a:rPr lang="en-US" sz="1400" dirty="0" smtClean="0">
-                <a:solidFill>
-                  <a:srgbClr val="008000"/>
-                </a:solidFill>
-                <a:latin typeface="Courier"/>
-                <a:cs typeface="Courier"/>
-              </a:rPr>
-              <a:t>&gt;</a:t>
-            </a:r>
-            <a:r>
-              <a:rPr lang="en-US" sz="1400" dirty="0" smtClean="0">
-                <a:latin typeface="Courier"/>
-                <a:cs typeface="Courier"/>
-              </a:rPr>
-              <a:t>0.002</a:t>
+                <a:latin typeface="Courier"/>
+                <a:cs typeface="Courier"/>
+              </a:rPr>
+              <a:t>0 1</a:t>
             </a:r>
             <a:r>
               <a:rPr lang="en-US" sz="1400" dirty="0" smtClean="0">
@@ -50651,14 +49831,14 @@
               <a:t>‘CDF’ </a:t>
             </a:r>
             <a:r>
-              <a:rPr lang="en-US" sz="1400" dirty="0" err="1" smtClean="0">
+              <a:rPr lang="en-US" sz="1400" dirty="0" smtClean="0">
                 <a:solidFill>
                   <a:srgbClr val="660066"/>
                 </a:solidFill>
                 <a:latin typeface="Courier"/>
                 <a:cs typeface="Courier"/>
               </a:rPr>
-              <a:t>upperBound</a:t>
+              <a:t>construction</a:t>
             </a:r>
             <a:r>
               <a:rPr lang="en-US" sz="1400" dirty="0" smtClean="0">
@@ -50668,6 +49848,33 @@
               <a:t>=</a:t>
             </a:r>
             <a:r>
+              <a:rPr lang="en-US" sz="1400" dirty="0">
+                <a:solidFill>
+                  <a:srgbClr val="0000FF"/>
+                </a:solidFill>
+                <a:latin typeface="Courier"/>
+                <a:cs typeface="Courier"/>
+              </a:rPr>
+              <a:t>‘equal’ </a:t>
+            </a:r>
+            <a:r>
+              <a:rPr lang="en-US" sz="1400" dirty="0">
+                <a:solidFill>
+                  <a:srgbClr val="660066"/>
+                </a:solidFill>
+                <a:latin typeface="Courier"/>
+                <a:cs typeface="Courier"/>
+              </a:rPr>
+              <a:t>steps</a:t>
+            </a:r>
+            <a:r>
+              <a:rPr lang="en-US" sz="1400" dirty="0">
+                <a:latin typeface="Courier"/>
+                <a:cs typeface="Courier"/>
+              </a:rPr>
+              <a:t>=</a:t>
+            </a:r>
+            <a:r>
               <a:rPr lang="en-US" sz="1400" dirty="0" smtClean="0">
                 <a:solidFill>
                   <a:srgbClr val="0000FF"/>
@@ -50675,78 +49882,24 @@
                 <a:latin typeface="Courier"/>
                 <a:cs typeface="Courier"/>
               </a:rPr>
-              <a:t>‘1.0’ </a:t>
-            </a:r>
-            <a:r>
-              <a:rPr lang="en-US" sz="1400" dirty="0">
-                <a:solidFill>
-                  <a:srgbClr val="660066"/>
-                </a:solidFill>
-                <a:latin typeface="Courier"/>
-                <a:cs typeface="Courier"/>
-              </a:rPr>
-              <a:t>construction</a:t>
+              <a:t>‘500’ </a:t>
             </a:r>
             <a:r>
               <a:rPr lang="en-US" sz="1400" dirty="0" smtClean="0">
-                <a:latin typeface="Courier"/>
-                <a:cs typeface="Courier"/>
-              </a:rPr>
-              <a:t>=</a:t>
-            </a:r>
-            <a:r>
-              <a:rPr lang="en-US" sz="1400" dirty="0">
-                <a:solidFill>
-                  <a:srgbClr val="0000FF"/>
-                </a:solidFill>
-                <a:latin typeface="Courier"/>
-                <a:cs typeface="Courier"/>
-              </a:rPr>
-              <a:t>‘equal’ </a:t>
-            </a:r>
-            <a:r>
-              <a:rPr lang="en-US" sz="1400" dirty="0">
-                <a:solidFill>
-                  <a:srgbClr val="660066"/>
-                </a:solidFill>
-                <a:latin typeface="Courier"/>
-                <a:cs typeface="Courier"/>
-              </a:rPr>
-              <a:t>steps</a:t>
-            </a:r>
-            <a:r>
-              <a:rPr lang="en-US" sz="1400" dirty="0">
-                <a:latin typeface="Courier"/>
-                <a:cs typeface="Courier"/>
-              </a:rPr>
-              <a:t>=</a:t>
+                <a:solidFill>
+                  <a:srgbClr val="008000"/>
+                </a:solidFill>
+                <a:latin typeface="Courier"/>
+                <a:cs typeface="Courier"/>
+              </a:rPr>
+              <a:t>&gt;</a:t>
             </a:r>
             <a:r>
               <a:rPr lang="en-US" sz="1400" dirty="0" smtClean="0">
-                <a:solidFill>
-                  <a:srgbClr val="0000FF"/>
-                </a:solidFill>
-                <a:latin typeface="Courier"/>
-                <a:cs typeface="Courier"/>
-              </a:rPr>
-              <a:t>‘500’ </a:t>
-            </a:r>
-            <a:r>
-              <a:rPr lang="en-US" sz="1400" dirty="0" smtClean="0">
-                <a:solidFill>
-                  <a:srgbClr val="008000"/>
-                </a:solidFill>
-                <a:latin typeface="Courier"/>
-                <a:cs typeface="Courier"/>
-              </a:rPr>
-              <a:t>&gt;</a:t>
-            </a:r>
-            <a:r>
-              <a:rPr lang="en-US" sz="1400" dirty="0" smtClean="0">
-                <a:latin typeface="Courier"/>
-                <a:cs typeface="Courier"/>
-              </a:rPr>
-              <a:t>0.002</a:t>
+                <a:latin typeface="Courier"/>
+                <a:cs typeface="Courier"/>
+              </a:rPr>
+              <a:t>0 1</a:t>
             </a:r>
             <a:r>
               <a:rPr lang="en-US" sz="1400" dirty="0" smtClean="0">
@@ -51103,7 +50256,7 @@
                 <a:latin typeface="Courier"/>
                 <a:cs typeface="Courier"/>
               </a:rPr>
-              <a:t>0.006</a:t>
+              <a:t>1.0 4.0</a:t>
             </a:r>
             <a:r>
               <a:rPr lang="en-US" sz="1400" dirty="0" smtClean="0">
@@ -51271,8 +50424,8 @@
         </p:nvSpPr>
         <p:spPr>
           <a:xfrm>
-            <a:off x="1" y="1602118"/>
-            <a:ext cx="4605676" cy="3785652"/>
+            <a:off x="0" y="1602118"/>
+            <a:ext cx="9143999" cy="4524316"/>
           </a:xfrm>
           <a:prstGeom prst="rect">
             <a:avLst/>
@@ -51293,17 +50446,17 @@
           <a:lstStyle/>
           <a:p>
             <a:r>
-              <a:rPr lang="en-US" sz="1600" dirty="0" smtClean="0">
-                <a:solidFill>
-                  <a:srgbClr val="008000"/>
-                </a:solidFill>
-                <a:latin typeface="Courier"/>
-                <a:cs typeface="Courier"/>
-              </a:rPr>
-              <a:t>&lt;</a:t>
-            </a:r>
-            <a:r>
-              <a:rPr lang="en-US" sz="1600" dirty="0" err="1" smtClean="0">
+              <a:rPr lang="en-US" sz="1600" dirty="0">
+                <a:solidFill>
+                  <a:srgbClr val="008000"/>
+                </a:solidFill>
+                <a:latin typeface="Courier"/>
+                <a:cs typeface="Courier"/>
+              </a:rPr>
+              <a:t> &lt;</a:t>
+            </a:r>
+            <a:r>
+              <a:rPr lang="en-US" sz="1600" dirty="0" err="1">
                 <a:solidFill>
                   <a:srgbClr val="008000"/>
                 </a:solidFill>
@@ -51313,71 +50466,34 @@
               <a:t>ResponseSurfaceDesign</a:t>
             </a:r>
             <a:r>
-              <a:rPr lang="en-US" sz="1600" dirty="0" smtClean="0">
-                <a:solidFill>
-                  <a:srgbClr val="008000"/>
-                </a:solidFill>
-                <a:latin typeface="Courier"/>
-                <a:cs typeface="Courier"/>
-              </a:rPr>
-              <a:t> </a:t>
-            </a:r>
-            <a:r>
-              <a:rPr lang="en-US" sz="1600" dirty="0" smtClean="0">
-                <a:solidFill>
-                  <a:srgbClr val="660066"/>
-                </a:solidFill>
-                <a:latin typeface="Courier"/>
-                <a:cs typeface="Courier"/>
-              </a:rPr>
-              <a:t>name</a:t>
-            </a:r>
-            <a:r>
               <a:rPr lang="en-US" sz="1600" dirty="0">
-                <a:latin typeface="Courier"/>
-                <a:cs typeface="Courier"/>
-              </a:rPr>
-              <a:t>=</a:t>
+                <a:solidFill>
+                  <a:srgbClr val="008000"/>
+                </a:solidFill>
+                <a:latin typeface="Courier"/>
+                <a:cs typeface="Courier"/>
+              </a:rPr>
+              <a:t> name='</a:t>
+            </a:r>
+            <a:r>
+              <a:rPr lang="en-US" sz="1600" dirty="0" err="1">
+                <a:solidFill>
+                  <a:srgbClr val="008000"/>
+                </a:solidFill>
+                <a:latin typeface="Courier"/>
+                <a:cs typeface="Courier"/>
+              </a:rPr>
+              <a:t>DoESampler</a:t>
             </a:r>
             <a:r>
               <a:rPr lang="en-US" sz="1600" dirty="0">
                 <a:solidFill>
-                  <a:srgbClr val="0000FF"/>
-                </a:solidFill>
-                <a:latin typeface="Courier"/>
-                <a:cs typeface="Courier"/>
-              </a:rPr>
-              <a:t>'</a:t>
-            </a:r>
-            <a:r>
-              <a:rPr lang="en-US" sz="1600" dirty="0" err="1">
-                <a:solidFill>
-                  <a:srgbClr val="0000FF"/>
-                </a:solidFill>
-                <a:latin typeface="Courier"/>
-                <a:cs typeface="Courier"/>
-              </a:rPr>
-              <a:t>DoESampler</a:t>
-            </a:r>
-            <a:r>
-              <a:rPr lang="en-US" sz="1600" dirty="0">
-                <a:solidFill>
-                  <a:srgbClr val="0000FF"/>
-                </a:solidFill>
-                <a:latin typeface="Courier"/>
-                <a:cs typeface="Courier"/>
-              </a:rPr>
-              <a:t>’</a:t>
-            </a:r>
-            <a:r>
-              <a:rPr lang="en-US" sz="1600" dirty="0" smtClean="0">
-                <a:solidFill>
-                  <a:srgbClr val="008000"/>
-                </a:solidFill>
-                <a:latin typeface="Courier"/>
-                <a:cs typeface="Courier"/>
-              </a:rPr>
-              <a:t>&gt;</a:t>
+                  <a:srgbClr val="008000"/>
+                </a:solidFill>
+                <a:latin typeface="Courier"/>
+                <a:cs typeface="Courier"/>
+              </a:rPr>
+              <a:t>'&gt;</a:t>
             </a:r>
           </a:p>
           <a:p>
@@ -51389,20 +50505,10 @@
                 <a:latin typeface="Courier"/>
                 <a:cs typeface="Courier"/>
               </a:rPr>
-              <a:t> </a:t>
-            </a:r>
-            <a:r>
-              <a:rPr lang="en-US" sz="1600" dirty="0" smtClean="0">
-                <a:solidFill>
-                  <a:srgbClr val="008000"/>
-                </a:solidFill>
-                <a:latin typeface="Courier"/>
-                <a:cs typeface="Courier"/>
-              </a:rPr>
-              <a:t> &lt;</a:t>
-            </a:r>
-            <a:r>
-              <a:rPr lang="en-US" sz="1600" dirty="0" err="1" smtClean="0">
+              <a:t>    &lt;</a:t>
+            </a:r>
+            <a:r>
+              <a:rPr lang="en-US" sz="1600" dirty="0" err="1">
                 <a:solidFill>
                   <a:srgbClr val="008000"/>
                 </a:solidFill>
@@ -51412,7 +50518,7 @@
               <a:t>ResponseSurfaceDesignSettings</a:t>
             </a:r>
             <a:r>
-              <a:rPr lang="en-US" sz="1600" dirty="0" smtClean="0">
+              <a:rPr lang="en-US" sz="1600" dirty="0">
                 <a:solidFill>
                   <a:srgbClr val="008000"/>
                 </a:solidFill>
@@ -51431,30 +50537,20 @@
                 <a:latin typeface="Courier"/>
                 <a:cs typeface="Courier"/>
               </a:rPr>
-              <a:t> </a:t>
-            </a:r>
-            <a:r>
-              <a:rPr lang="en-US" sz="1600" dirty="0" smtClean="0">
-                <a:solidFill>
-                  <a:srgbClr val="008000"/>
-                </a:solidFill>
-                <a:latin typeface="Courier"/>
-                <a:cs typeface="Courier"/>
-              </a:rPr>
-              <a:t>   &lt;</a:t>
-            </a:r>
-            <a:r>
-              <a:rPr lang="en-US" sz="1600" dirty="0" err="1" smtClean="0">
-                <a:solidFill>
-                  <a:srgbClr val="008000"/>
-                </a:solidFill>
-                <a:latin typeface="Courier"/>
-                <a:cs typeface="Courier"/>
-              </a:rPr>
-              <a:t>algorithm_type</a:t>
-            </a:r>
-            <a:r>
-              <a:rPr lang="en-US" sz="1600" dirty="0" smtClean="0">
+              <a:t>      &lt;</a:t>
+            </a:r>
+            <a:r>
+              <a:rPr lang="en-US" sz="1600" dirty="0" err="1">
+                <a:solidFill>
+                  <a:srgbClr val="008000"/>
+                </a:solidFill>
+                <a:latin typeface="Courier"/>
+                <a:cs typeface="Courier"/>
+              </a:rPr>
+              <a:t>algorithmType</a:t>
+            </a:r>
+            <a:r>
+              <a:rPr lang="en-US" sz="1600" dirty="0">
                 <a:solidFill>
                   <a:srgbClr val="008000"/>
                 </a:solidFill>
@@ -51464,14 +50560,17 @@
               <a:t>&gt;</a:t>
             </a:r>
             <a:r>
-              <a:rPr lang="en-US" sz="1600" dirty="0" err="1" smtClean="0">
+              <a:rPr lang="en-US" sz="1600" dirty="0" err="1">
+                <a:solidFill>
+                  <a:srgbClr val="008000"/>
+                </a:solidFill>
                 <a:latin typeface="Courier"/>
                 <a:cs typeface="Courier"/>
               </a:rPr>
               <a:t>BoxBehnken</a:t>
             </a:r>
             <a:r>
-              <a:rPr lang="en-US" sz="1600" dirty="0" smtClean="0">
+              <a:rPr lang="en-US" sz="1600" dirty="0">
                 <a:solidFill>
                   <a:srgbClr val="008000"/>
                 </a:solidFill>
@@ -51481,14 +50580,14 @@
               <a:t>&lt;/</a:t>
             </a:r>
             <a:r>
-              <a:rPr lang="en-US" sz="1600" dirty="0" err="1" smtClean="0">
-                <a:solidFill>
-                  <a:srgbClr val="008000"/>
-                </a:solidFill>
-                <a:latin typeface="Courier"/>
-                <a:cs typeface="Courier"/>
-              </a:rPr>
-              <a:t>algorithm_type</a:t>
+              <a:rPr lang="en-US" sz="1600" dirty="0" err="1">
+                <a:solidFill>
+                  <a:srgbClr val="008000"/>
+                </a:solidFill>
+                <a:latin typeface="Courier"/>
+                <a:cs typeface="Courier"/>
+              </a:rPr>
+              <a:t>algorithmType</a:t>
             </a:r>
             <a:r>
               <a:rPr lang="en-US" sz="1600" dirty="0">
@@ -51503,16 +50602,6 @@
           </a:p>
           <a:p>
             <a:r>
-              <a:rPr lang="en-US" sz="1600" dirty="0" smtClean="0">
-                <a:solidFill>
-                  <a:srgbClr val="008000"/>
-                </a:solidFill>
-                <a:latin typeface="Courier"/>
-                <a:cs typeface="Courier"/>
-              </a:rPr>
-              <a:t>   </a:t>
-            </a:r>
-            <a:r>
               <a:rPr lang="en-US" sz="1600" dirty="0">
                 <a:solidFill>
                   <a:srgbClr val="008000"/>
@@ -51520,7 +50609,7 @@
                 <a:latin typeface="Courier"/>
                 <a:cs typeface="Courier"/>
               </a:rPr>
-              <a:t> &lt;</a:t>
+              <a:t>      &lt;</a:t>
             </a:r>
             <a:r>
               <a:rPr lang="en-US" sz="1600" dirty="0" err="1">
@@ -51533,7 +50622,27 @@
               <a:t>ncenters</a:t>
             </a:r>
             <a:r>
-              <a:rPr lang="en-US" sz="1600" dirty="0" smtClean="0">
+              <a:rPr lang="en-US" sz="1600" dirty="0">
+                <a:solidFill>
+                  <a:srgbClr val="008000"/>
+                </a:solidFill>
+                <a:latin typeface="Courier"/>
+                <a:cs typeface="Courier"/>
+              </a:rPr>
+              <a:t>&gt;1&lt;/</a:t>
+            </a:r>
+            <a:r>
+              <a:rPr lang="en-US" sz="1600" dirty="0" err="1">
+                <a:solidFill>
+                  <a:srgbClr val="008000"/>
+                </a:solidFill>
+                <a:latin typeface="Courier"/>
+                <a:cs typeface="Courier"/>
+              </a:rPr>
+              <a:t>ncenters</a:t>
+            </a:r>
+            <a:r>
+              <a:rPr lang="en-US" sz="1600" dirty="0">
                 <a:solidFill>
                   <a:srgbClr val="008000"/>
                 </a:solidFill>
@@ -51542,61 +50651,17 @@
               </a:rPr>
               <a:t>&gt;</a:t>
             </a:r>
-            <a:r>
-              <a:rPr lang="en-US" sz="1600" dirty="0" smtClean="0">
-                <a:latin typeface="Courier"/>
-                <a:cs typeface="Courier"/>
-              </a:rPr>
-              <a:t>1</a:t>
-            </a:r>
-            <a:r>
-              <a:rPr lang="en-US" sz="1600" dirty="0" smtClean="0">
-                <a:solidFill>
-                  <a:srgbClr val="008000"/>
-                </a:solidFill>
-                <a:latin typeface="Courier"/>
-                <a:cs typeface="Courier"/>
-              </a:rPr>
-              <a:t>&lt;/</a:t>
-            </a:r>
-            <a:r>
-              <a:rPr lang="en-US" sz="1600" dirty="0" err="1">
-                <a:solidFill>
-                  <a:srgbClr val="008000"/>
-                </a:solidFill>
-                <a:latin typeface="Courier"/>
-                <a:cs typeface="Courier"/>
-              </a:rPr>
-              <a:t>ncenters</a:t>
-            </a:r>
-            <a:r>
-              <a:rPr lang="en-US" sz="1600" dirty="0" smtClean="0">
-                <a:solidFill>
-                  <a:srgbClr val="008000"/>
-                </a:solidFill>
-                <a:latin typeface="Courier"/>
-                <a:cs typeface="Courier"/>
-              </a:rPr>
-              <a:t>&gt;</a:t>
-            </a:r>
-            <a:endParaRPr lang="en-US" sz="1600" dirty="0">
-              <a:solidFill>
-                <a:srgbClr val="008000"/>
-              </a:solidFill>
-              <a:latin typeface="Courier"/>
-              <a:cs typeface="Courier"/>
-            </a:endParaRPr>
           </a:p>
           <a:p>
             <a:r>
-              <a:rPr lang="en-US" sz="1600" dirty="0" smtClean="0">
-                <a:solidFill>
-                  <a:srgbClr val="008000"/>
-                </a:solidFill>
-                <a:latin typeface="Courier"/>
-                <a:cs typeface="Courier"/>
-              </a:rPr>
-              <a:t>  &lt;</a:t>
+              <a:rPr lang="en-US" sz="1600" dirty="0">
+                <a:solidFill>
+                  <a:srgbClr val="008000"/>
+                </a:solidFill>
+                <a:latin typeface="Courier"/>
+                <a:cs typeface="Courier"/>
+              </a:rPr>
+              <a:t>    &lt;/</a:t>
             </a:r>
             <a:r>
               <a:rPr lang="en-US" sz="1600" dirty="0" err="1">
@@ -51621,16 +50686,6 @@
           </a:p>
           <a:p>
             <a:r>
-              <a:rPr lang="en-US" sz="1600" dirty="0" smtClean="0">
-                <a:solidFill>
-                  <a:srgbClr val="008000"/>
-                </a:solidFill>
-                <a:latin typeface="Courier"/>
-                <a:cs typeface="Courier"/>
-              </a:rPr>
-              <a:t>  &lt;</a:t>
-            </a:r>
-            <a:r>
               <a:rPr lang="en-US" sz="1600" dirty="0">
                 <a:solidFill>
                   <a:srgbClr val="008000"/>
@@ -51638,48 +50693,11 @@
                 <a:latin typeface="Courier"/>
                 <a:cs typeface="Courier"/>
               </a:rPr>
-              <a:t>distribution&gt;</a:t>
-            </a:r>
-            <a:r>
-              <a:rPr lang="en-US" sz="1600" dirty="0">
-                <a:latin typeface="Courier"/>
-                <a:cs typeface="Courier"/>
-              </a:rPr>
-              <a:t>x1_distrib</a:t>
-            </a:r>
-            <a:r>
-              <a:rPr lang="en-US" sz="1600" dirty="0">
-                <a:solidFill>
-                  <a:srgbClr val="008000"/>
-                </a:solidFill>
-                <a:latin typeface="Courier"/>
-                <a:cs typeface="Courier"/>
-              </a:rPr>
-              <a:t>&lt;</a:t>
-            </a:r>
-            <a:r>
-              <a:rPr lang="en-US" sz="1600" dirty="0" smtClean="0">
-                <a:solidFill>
-                  <a:srgbClr val="008000"/>
-                </a:solidFill>
-                <a:latin typeface="Courier"/>
-                <a:cs typeface="Courier"/>
-              </a:rPr>
-              <a:t>/distribution&gt;</a:t>
+              <a:t>    &lt;variable name='x1' &gt;</a:t>
             </a:r>
           </a:p>
           <a:p>
             <a:r>
-              <a:rPr lang="en-US" sz="1600" dirty="0" smtClean="0">
-                <a:solidFill>
-                  <a:srgbClr val="008000"/>
-                </a:solidFill>
-                <a:latin typeface="Courier"/>
-                <a:cs typeface="Courier"/>
-              </a:rPr>
-              <a:t>   </a:t>
-            </a:r>
-            <a:r>
               <a:rPr lang="en-US" sz="1600" dirty="0">
                 <a:solidFill>
                   <a:srgbClr val="008000"/>
@@ -51687,54 +50705,7 @@
                 <a:latin typeface="Courier"/>
                 <a:cs typeface="Courier"/>
               </a:rPr>
-              <a:t> </a:t>
-            </a:r>
-            <a:r>
-              <a:rPr lang="en-US" sz="1600" dirty="0" smtClean="0">
-                <a:solidFill>
-                  <a:srgbClr val="008000"/>
-                </a:solidFill>
-                <a:latin typeface="Courier"/>
-                <a:cs typeface="Courier"/>
-              </a:rPr>
-              <a:t>&lt;boundaries </a:t>
-            </a:r>
-            <a:r>
-              <a:rPr lang="en-US" sz="1600" dirty="0" smtClean="0">
-                <a:solidFill>
-                  <a:srgbClr val="660066"/>
-                </a:solidFill>
-                <a:latin typeface="Courier"/>
-                <a:cs typeface="Courier"/>
-              </a:rPr>
-              <a:t>type</a:t>
-            </a:r>
-            <a:r>
-              <a:rPr lang="en-US" sz="1600" dirty="0" smtClean="0">
-                <a:latin typeface="Courier"/>
-                <a:cs typeface="Courier"/>
-              </a:rPr>
-              <a:t>=</a:t>
-            </a:r>
-            <a:r>
-              <a:rPr lang="en-US" sz="1600" dirty="0" smtClean="0">
-                <a:solidFill>
-                  <a:srgbClr val="0000FF"/>
-                </a:solidFill>
-                <a:latin typeface="Courier"/>
-                <a:cs typeface="Courier"/>
-              </a:rPr>
-              <a:t>‘CDF’</a:t>
-            </a:r>
-            <a:r>
-              <a:rPr lang="en-US" sz="1600" dirty="0" smtClean="0">
-                <a:solidFill>
-                  <a:srgbClr val="008000"/>
-                </a:solidFill>
-                <a:latin typeface="Courier"/>
-                <a:cs typeface="Courier"/>
-              </a:rPr>
-              <a:t>&gt;</a:t>
+              <a:t>      &lt;distribution &gt;x1_distrib&lt;/distribution&gt;</a:t>
             </a:r>
           </a:p>
           <a:p>
@@ -51746,54 +50717,7 @@
                 <a:latin typeface="Courier"/>
                 <a:cs typeface="Courier"/>
               </a:rPr>
-              <a:t> </a:t>
-            </a:r>
-            <a:r>
-              <a:rPr lang="en-US" sz="1600" dirty="0" smtClean="0">
-                <a:solidFill>
-                  <a:srgbClr val="008000"/>
-                </a:solidFill>
-                <a:latin typeface="Courier"/>
-                <a:cs typeface="Courier"/>
-              </a:rPr>
-              <a:t>     &lt;lower&gt;</a:t>
-            </a:r>
-            <a:r>
-              <a:rPr lang="en-US" sz="1600" dirty="0">
-                <a:latin typeface="Courier"/>
-                <a:cs typeface="Courier"/>
-              </a:rPr>
-              <a:t>0</a:t>
-            </a:r>
-            <a:r>
-              <a:rPr lang="en-US" sz="1600" dirty="0" smtClean="0">
-                <a:solidFill>
-                  <a:srgbClr val="008000"/>
-                </a:solidFill>
-                <a:latin typeface="Courier"/>
-                <a:cs typeface="Courier"/>
-              </a:rPr>
-              <a:t>&lt;/</a:t>
-            </a:r>
-            <a:r>
-              <a:rPr lang="en-US" sz="1600" dirty="0">
-                <a:solidFill>
-                  <a:srgbClr val="008000"/>
-                </a:solidFill>
-                <a:latin typeface="Courier"/>
-                <a:cs typeface="Courier"/>
-              </a:rPr>
-              <a:t>lower</a:t>
-            </a:r>
-            <a:r>
-              <a:rPr lang="en-US" sz="1600" dirty="0" smtClean="0">
-                <a:solidFill>
-                  <a:srgbClr val="008000"/>
-                </a:solidFill>
-                <a:latin typeface="Courier"/>
-                <a:cs typeface="Courier"/>
-              </a:rPr>
-              <a:t>&gt;</a:t>
+              <a:t>      &lt;grid construction="custom" type="CDF"&gt;0.0 1.0&lt;/grid&gt;</a:t>
             </a:r>
           </a:p>
           <a:p>
@@ -51805,72 +50729,11 @@
                 <a:latin typeface="Courier"/>
                 <a:cs typeface="Courier"/>
               </a:rPr>
-              <a:t> </a:t>
-            </a:r>
-            <a:r>
-              <a:rPr lang="en-US" sz="1600" dirty="0" smtClean="0">
-                <a:solidFill>
-                  <a:srgbClr val="008000"/>
-                </a:solidFill>
-                <a:latin typeface="Courier"/>
-                <a:cs typeface="Courier"/>
-              </a:rPr>
-              <a:t>     &lt;upper&gt;</a:t>
-            </a:r>
-            <a:r>
-              <a:rPr lang="en-US" sz="1600" dirty="0">
-                <a:latin typeface="Courier"/>
-                <a:cs typeface="Courier"/>
-              </a:rPr>
-              <a:t>1</a:t>
-            </a:r>
-            <a:r>
-              <a:rPr lang="en-US" sz="1600" dirty="0" smtClean="0">
-                <a:solidFill>
-                  <a:srgbClr val="008000"/>
-                </a:solidFill>
-                <a:latin typeface="Courier"/>
-                <a:cs typeface="Courier"/>
-              </a:rPr>
-              <a:t>&lt;/</a:t>
-            </a:r>
-            <a:r>
-              <a:rPr lang="en-US" sz="1600" dirty="0">
-                <a:solidFill>
-                  <a:srgbClr val="008000"/>
-                </a:solidFill>
-                <a:latin typeface="Courier"/>
-                <a:cs typeface="Courier"/>
-              </a:rPr>
-              <a:t>upper</a:t>
-            </a:r>
-            <a:r>
-              <a:rPr lang="en-US" sz="1600" dirty="0" smtClean="0">
-                <a:solidFill>
-                  <a:srgbClr val="008000"/>
-                </a:solidFill>
-                <a:latin typeface="Courier"/>
-                <a:cs typeface="Courier"/>
-              </a:rPr>
-              <a:t>&gt;</a:t>
-            </a:r>
-            <a:endParaRPr lang="en-US" sz="1600" dirty="0">
-              <a:latin typeface="Courier"/>
-              <a:cs typeface="Courier"/>
-            </a:endParaRPr>
+              <a:t>    &lt;/variable&gt;</a:t>
+            </a:r>
           </a:p>
           <a:p>
             <a:r>
-              <a:rPr lang="en-US" sz="1600" dirty="0" smtClean="0">
-                <a:solidFill>
-                  <a:srgbClr val="008000"/>
-                </a:solidFill>
-                <a:latin typeface="Courier"/>
-                <a:cs typeface="Courier"/>
-              </a:rPr>
-              <a:t>    </a:t>
-            </a:r>
-            <a:r>
               <a:rPr lang="en-US" sz="1600" dirty="0">
                 <a:solidFill>
                   <a:srgbClr val="008000"/>
@@ -51878,29 +50741,19 @@
                 <a:latin typeface="Courier"/>
                 <a:cs typeface="Courier"/>
               </a:rPr>
-              <a:t>&lt;/</a:t>
-            </a:r>
-            <a:r>
-              <a:rPr lang="en-US" sz="1600" dirty="0" smtClean="0">
-                <a:solidFill>
-                  <a:srgbClr val="008000"/>
-                </a:solidFill>
-                <a:latin typeface="Courier"/>
-                <a:cs typeface="Courier"/>
-              </a:rPr>
-              <a:t>boundaries&gt;</a:t>
+              <a:t>    &lt;variable name='x2' &gt;</a:t>
             </a:r>
           </a:p>
           <a:p>
             <a:r>
-              <a:rPr lang="en-US" sz="1600" dirty="0" smtClean="0">
-                <a:solidFill>
-                  <a:srgbClr val="008000"/>
-                </a:solidFill>
-                <a:latin typeface="Courier"/>
-                <a:cs typeface="Courier"/>
-              </a:rPr>
-              <a:t>  &lt;/variable&gt;</a:t>
+              <a:rPr lang="en-US" sz="1600" dirty="0">
+                <a:solidFill>
+                  <a:srgbClr val="008000"/>
+                </a:solidFill>
+                <a:latin typeface="Courier"/>
+                <a:cs typeface="Courier"/>
+              </a:rPr>
+              <a:t>      &lt;distribution  &gt;x2_distrib&lt;/distribution&gt;</a:t>
             </a:r>
           </a:p>
           <a:p>
@@ -51912,116 +50765,7 @@
                 <a:latin typeface="Courier"/>
                 <a:cs typeface="Courier"/>
               </a:rPr>
-              <a:t> </a:t>
-            </a:r>
-            <a:r>
-              <a:rPr lang="en-US" sz="1600" dirty="0" smtClean="0">
-                <a:solidFill>
-                  <a:srgbClr val="008000"/>
-                </a:solidFill>
-                <a:latin typeface="Courier"/>
-                <a:cs typeface="Courier"/>
-              </a:rPr>
-              <a:t> </a:t>
-            </a:r>
-          </a:p>
-        </p:txBody>
-      </p:sp>
-      <p:sp>
-        <p:nvSpPr>
-          <p:cNvPr id="5" name="TextBox 4"/>
-          <p:cNvSpPr txBox="1"/>
-          <p:nvPr/>
-        </p:nvSpPr>
-        <p:spPr>
-          <a:xfrm>
-            <a:off x="4551629" y="1602118"/>
-            <a:ext cx="4605676" cy="4278094"/>
-          </a:xfrm>
-          <a:prstGeom prst="rect">
-            <a:avLst/>
-          </a:prstGeom>
-          <a:solidFill>
-            <a:schemeClr val="bg1">
-              <a:lumMod val="85000"/>
-            </a:schemeClr>
-          </a:solidFill>
-          <a:ln>
-            <a:noFill/>
-          </a:ln>
-        </p:spPr>
-        <p:txBody>
-          <a:bodyPr wrap="square" rtlCol="0">
-            <a:spAutoFit/>
-          </a:bodyPr>
-          <a:lstStyle/>
-          <a:p>
-            <a:r>
-              <a:rPr lang="en-US" sz="1600" dirty="0" smtClean="0">
-                <a:solidFill>
-                  <a:srgbClr val="008000"/>
-                </a:solidFill>
-                <a:latin typeface="Courier"/>
-                <a:cs typeface="Courier"/>
-              </a:rPr>
-              <a:t>&lt;</a:t>
-            </a:r>
-            <a:r>
-              <a:rPr lang="en-US" sz="1600" dirty="0">
-                <a:solidFill>
-                  <a:srgbClr val="008000"/>
-                </a:solidFill>
-                <a:latin typeface="Courier"/>
-                <a:cs typeface="Courier"/>
-              </a:rPr>
-              <a:t>variable </a:t>
-            </a:r>
-            <a:r>
-              <a:rPr lang="en-US" sz="1600" dirty="0">
-                <a:solidFill>
-                  <a:srgbClr val="660066"/>
-                </a:solidFill>
-                <a:latin typeface="Courier"/>
-                <a:cs typeface="Courier"/>
-              </a:rPr>
-              <a:t>name</a:t>
-            </a:r>
-            <a:r>
-              <a:rPr lang="en-US" sz="1600" dirty="0">
-                <a:latin typeface="Courier"/>
-                <a:cs typeface="Courier"/>
-              </a:rPr>
-              <a:t>=</a:t>
-            </a:r>
-            <a:r>
-              <a:rPr lang="en-US" sz="1600" dirty="0">
-                <a:solidFill>
-                  <a:srgbClr val="0000FF"/>
-                </a:solidFill>
-                <a:latin typeface="Courier"/>
-                <a:cs typeface="Courier"/>
-              </a:rPr>
-              <a:t>‘</a:t>
-            </a:r>
-            <a:r>
-              <a:rPr lang="en-US" sz="1600" dirty="0" smtClean="0">
-                <a:solidFill>
-                  <a:srgbClr val="0000FF"/>
-                </a:solidFill>
-                <a:latin typeface="Courier"/>
-                <a:cs typeface="Courier"/>
-              </a:rPr>
-              <a:t>x2’</a:t>
-            </a:r>
-            <a:r>
-              <a:rPr lang="en-US" sz="1600" dirty="0">
-                <a:solidFill>
-                  <a:srgbClr val="008000"/>
-                </a:solidFill>
-                <a:latin typeface="Courier"/>
-                <a:cs typeface="Courier"/>
-              </a:rPr>
-              <a:t>&gt;</a:t>
+              <a:t>      &lt;grid construction="custom" type="value"&gt;-5 7&lt;/grid&gt;</a:t>
             </a:r>
           </a:p>
           <a:p>
@@ -52033,24 +50777,7 @@
                 <a:latin typeface="Courier"/>
                 <a:cs typeface="Courier"/>
               </a:rPr>
-              <a:t>    &lt;distribution&gt;</a:t>
-            </a:r>
-            <a:r>
-              <a:rPr lang="en-US" sz="1600" dirty="0" smtClean="0">
-                <a:latin typeface="Courier"/>
-                <a:cs typeface="Courier"/>
-              </a:rPr>
-              <a:t>x2_distrib</a:t>
-            </a:r>
-            <a:r>
-              <a:rPr lang="en-US" sz="1600" dirty="0">
-                <a:solidFill>
-                  <a:srgbClr val="008000"/>
-                </a:solidFill>
-                <a:latin typeface="Courier"/>
-                <a:cs typeface="Courier"/>
-              </a:rPr>
-              <a:t>&lt;/distribution&gt;</a:t>
+              <a:t>    &lt;/variable&gt;</a:t>
             </a:r>
           </a:p>
           <a:p>
@@ -52062,44 +50789,7 @@
                 <a:latin typeface="Courier"/>
                 <a:cs typeface="Courier"/>
               </a:rPr>
-              <a:t>    &lt;boundaries </a:t>
-            </a:r>
-            <a:r>
-              <a:rPr lang="en-US" sz="1600" dirty="0">
-                <a:solidFill>
-                  <a:srgbClr val="660066"/>
-                </a:solidFill>
-                <a:latin typeface="Courier"/>
-                <a:cs typeface="Courier"/>
-              </a:rPr>
-              <a:t>type</a:t>
-            </a:r>
-            <a:r>
-              <a:rPr lang="en-US" sz="1600" dirty="0">
-                <a:latin typeface="Courier"/>
-                <a:cs typeface="Courier"/>
-              </a:rPr>
-              <a:t>=</a:t>
-            </a:r>
-            <a:r>
-              <a:rPr lang="en-US" sz="1600" dirty="0" smtClean="0">
-                <a:solidFill>
-                  <a:srgbClr val="0000FF"/>
-                </a:solidFill>
-                <a:latin typeface="Courier"/>
-                <a:cs typeface="Courier"/>
-              </a:rPr>
-              <a:t>‘value’</a:t>
-            </a:r>
-            <a:r>
-              <a:rPr lang="en-US" sz="1600" dirty="0">
-                <a:solidFill>
-                  <a:srgbClr val="008000"/>
-                </a:solidFill>
-                <a:latin typeface="Courier"/>
-                <a:cs typeface="Courier"/>
-              </a:rPr>
-              <a:t>&gt;</a:t>
+              <a:t>    &lt;variable name='x3'&gt;</a:t>
             </a:r>
           </a:p>
           <a:p>
@@ -52111,44 +50801,7 @@
                 <a:latin typeface="Courier"/>
                 <a:cs typeface="Courier"/>
               </a:rPr>
-              <a:t>      &lt;lower</a:t>
-            </a:r>
-            <a:r>
-              <a:rPr lang="en-US" sz="1600" dirty="0" smtClean="0">
-                <a:solidFill>
-                  <a:srgbClr val="008000"/>
-                </a:solidFill>
-                <a:latin typeface="Courier"/>
-                <a:cs typeface="Courier"/>
-              </a:rPr>
-              <a:t>&gt;</a:t>
-            </a:r>
-            <a:r>
-              <a:rPr lang="en-US" sz="1600" dirty="0" smtClean="0">
-                <a:latin typeface="Courier"/>
-                <a:cs typeface="Courier"/>
-              </a:rPr>
-              <a:t>-5</a:t>
-            </a:r>
-            <a:r>
-              <a:rPr lang="en-US" sz="1600" dirty="0" smtClean="0">
-                <a:solidFill>
-                  <a:srgbClr val="008000"/>
-                </a:solidFill>
-                <a:latin typeface="Courier"/>
-                <a:cs typeface="Courier"/>
-              </a:rPr>
-              <a:t>&lt;</a:t>
-            </a:r>
-            <a:r>
-              <a:rPr lang="en-US" sz="1600" dirty="0">
-                <a:solidFill>
-                  <a:srgbClr val="008000"/>
-                </a:solidFill>
-                <a:latin typeface="Courier"/>
-                <a:cs typeface="Courier"/>
-              </a:rPr>
-              <a:t>/lower&gt;</a:t>
+              <a:t>      &lt;distribution  &gt;x3_distrib&lt;/distribution&gt;</a:t>
             </a:r>
           </a:p>
           <a:p>
@@ -52160,49 +50813,8 @@
                 <a:latin typeface="Courier"/>
                 <a:cs typeface="Courier"/>
               </a:rPr>
-              <a:t>      &lt;upper</a:t>
-            </a:r>
-            <a:r>
-              <a:rPr lang="en-US" sz="1600" dirty="0" smtClean="0">
-                <a:solidFill>
-                  <a:srgbClr val="008000"/>
-                </a:solidFill>
-                <a:latin typeface="Courier"/>
-                <a:cs typeface="Courier"/>
-              </a:rPr>
-              <a:t>&gt;</a:t>
-            </a:r>
-            <a:r>
-              <a:rPr lang="en-US" sz="1600" dirty="0" smtClean="0">
-                <a:latin typeface="Courier"/>
-                <a:cs typeface="Courier"/>
-              </a:rPr>
-              <a:t>7</a:t>
-            </a:r>
-            <a:r>
-              <a:rPr lang="en-US" sz="1600" dirty="0" smtClean="0">
-                <a:solidFill>
-                  <a:srgbClr val="008000"/>
-                </a:solidFill>
-                <a:latin typeface="Courier"/>
-                <a:cs typeface="Courier"/>
-              </a:rPr>
-              <a:t>&lt;</a:t>
-            </a:r>
-            <a:r>
-              <a:rPr lang="en-US" sz="1600" dirty="0">
-                <a:solidFill>
-                  <a:srgbClr val="008000"/>
-                </a:solidFill>
-                <a:latin typeface="Courier"/>
-                <a:cs typeface="Courier"/>
-              </a:rPr>
-              <a:t>/upper&gt;</a:t>
-            </a:r>
-            <a:endParaRPr lang="en-US" sz="1600" dirty="0">
-              <a:latin typeface="Courier"/>
-              <a:cs typeface="Courier"/>
-            </a:endParaRPr>
+              <a:t>      &lt;grid construction="custom" type="CDF"&gt;0.1 0.9&lt;/grid&gt;</a:t>
+            </a:r>
           </a:p>
           <a:p>
             <a:r>
@@ -52213,7 +50825,7 @@
                 <a:latin typeface="Courier"/>
                 <a:cs typeface="Courier"/>
               </a:rPr>
-              <a:t>    &lt;/boundaries&gt;</a:t>
+              <a:t>    &lt;/variable&gt;</a:t>
             </a:r>
           </a:p>
           <a:p>
@@ -52225,7 +50837,27 @@
                 <a:latin typeface="Courier"/>
                 <a:cs typeface="Courier"/>
               </a:rPr>
-              <a:t>  &lt;/variable&gt;</a:t>
+              <a:t>  &lt;/</a:t>
+            </a:r>
+            <a:r>
+              <a:rPr lang="en-US" sz="1600" dirty="0" err="1">
+                <a:solidFill>
+                  <a:srgbClr val="008000"/>
+                </a:solidFill>
+                <a:latin typeface="Courier"/>
+                <a:cs typeface="Courier"/>
+              </a:rPr>
+              <a:t>ResponseSurfaceDesign</a:t>
+            </a:r>
+            <a:r>
+              <a:rPr lang="en-US" sz="1600" dirty="0">
+                <a:solidFill>
+                  <a:srgbClr val="008000"/>
+                </a:solidFill>
+                <a:latin typeface="Courier"/>
+                <a:cs typeface="Courier"/>
+              </a:rPr>
+              <a:t>&gt;  </a:t>
             </a:r>
             <a:endParaRPr lang="en-US" sz="1600" dirty="0" smtClean="0">
               <a:solidFill>
@@ -52234,321 +50866,6 @@
               <a:latin typeface="Courier"/>
               <a:cs typeface="Courier"/>
             </a:endParaRPr>
-          </a:p>
-          <a:p>
-            <a:r>
-              <a:rPr lang="en-US" sz="1600" dirty="0">
-                <a:solidFill>
-                  <a:srgbClr val="008000"/>
-                </a:solidFill>
-                <a:latin typeface="Courier"/>
-                <a:cs typeface="Courier"/>
-              </a:rPr>
-              <a:t> </a:t>
-            </a:r>
-            <a:r>
-              <a:rPr lang="en-US" sz="1600" dirty="0" smtClean="0">
-                <a:solidFill>
-                  <a:srgbClr val="008000"/>
-                </a:solidFill>
-                <a:latin typeface="Courier"/>
-                <a:cs typeface="Courier"/>
-              </a:rPr>
-              <a:t> &lt;</a:t>
-            </a:r>
-            <a:r>
-              <a:rPr lang="en-US" sz="1600" dirty="0">
-                <a:solidFill>
-                  <a:srgbClr val="008000"/>
-                </a:solidFill>
-                <a:latin typeface="Courier"/>
-                <a:cs typeface="Courier"/>
-              </a:rPr>
-              <a:t>variable </a:t>
-            </a:r>
-            <a:r>
-              <a:rPr lang="en-US" sz="1600" dirty="0">
-                <a:solidFill>
-                  <a:srgbClr val="660066"/>
-                </a:solidFill>
-                <a:latin typeface="Courier"/>
-                <a:cs typeface="Courier"/>
-              </a:rPr>
-              <a:t>name</a:t>
-            </a:r>
-            <a:r>
-              <a:rPr lang="en-US" sz="1600" dirty="0">
-                <a:latin typeface="Courier"/>
-                <a:cs typeface="Courier"/>
-              </a:rPr>
-              <a:t>=</a:t>
-            </a:r>
-            <a:r>
-              <a:rPr lang="en-US" sz="1600" dirty="0">
-                <a:solidFill>
-                  <a:srgbClr val="0000FF"/>
-                </a:solidFill>
-                <a:latin typeface="Courier"/>
-                <a:cs typeface="Courier"/>
-              </a:rPr>
-              <a:t>‘</a:t>
-            </a:r>
-            <a:r>
-              <a:rPr lang="en-US" sz="1600" dirty="0" smtClean="0">
-                <a:solidFill>
-                  <a:srgbClr val="0000FF"/>
-                </a:solidFill>
-                <a:latin typeface="Courier"/>
-                <a:cs typeface="Courier"/>
-              </a:rPr>
-              <a:t>x3’</a:t>
-            </a:r>
-            <a:r>
-              <a:rPr lang="en-US" sz="1600" dirty="0">
-                <a:solidFill>
-                  <a:srgbClr val="008000"/>
-                </a:solidFill>
-                <a:latin typeface="Courier"/>
-                <a:cs typeface="Courier"/>
-              </a:rPr>
-              <a:t>&gt;</a:t>
-            </a:r>
-          </a:p>
-          <a:p>
-            <a:r>
-              <a:rPr lang="en-US" sz="1600" dirty="0">
-                <a:solidFill>
-                  <a:srgbClr val="008000"/>
-                </a:solidFill>
-                <a:latin typeface="Courier"/>
-                <a:cs typeface="Courier"/>
-              </a:rPr>
-              <a:t>    &lt;distribution&gt;</a:t>
-            </a:r>
-            <a:r>
-              <a:rPr lang="en-US" sz="1600" dirty="0" smtClean="0">
-                <a:latin typeface="Courier"/>
-                <a:cs typeface="Courier"/>
-              </a:rPr>
-              <a:t>x3_distrib</a:t>
-            </a:r>
-            <a:r>
-              <a:rPr lang="en-US" sz="1600" dirty="0">
-                <a:solidFill>
-                  <a:srgbClr val="008000"/>
-                </a:solidFill>
-                <a:latin typeface="Courier"/>
-                <a:cs typeface="Courier"/>
-              </a:rPr>
-              <a:t>&lt;/distribution&gt;</a:t>
-            </a:r>
-          </a:p>
-          <a:p>
-            <a:r>
-              <a:rPr lang="en-US" sz="1600" dirty="0">
-                <a:solidFill>
-                  <a:srgbClr val="008000"/>
-                </a:solidFill>
-                <a:latin typeface="Courier"/>
-                <a:cs typeface="Courier"/>
-              </a:rPr>
-              <a:t>    &lt;boundaries </a:t>
-            </a:r>
-            <a:r>
-              <a:rPr lang="en-US" sz="1600" dirty="0">
-                <a:solidFill>
-                  <a:srgbClr val="660066"/>
-                </a:solidFill>
-                <a:latin typeface="Courier"/>
-                <a:cs typeface="Courier"/>
-              </a:rPr>
-              <a:t>type</a:t>
-            </a:r>
-            <a:r>
-              <a:rPr lang="en-US" sz="1600" dirty="0">
-                <a:latin typeface="Courier"/>
-                <a:cs typeface="Courier"/>
-              </a:rPr>
-              <a:t>=</a:t>
-            </a:r>
-            <a:r>
-              <a:rPr lang="en-US" sz="1600" dirty="0">
-                <a:solidFill>
-                  <a:srgbClr val="0000FF"/>
-                </a:solidFill>
-                <a:latin typeface="Courier"/>
-                <a:cs typeface="Courier"/>
-              </a:rPr>
-              <a:t>‘CDF’</a:t>
-            </a:r>
-            <a:r>
-              <a:rPr lang="en-US" sz="1600" dirty="0">
-                <a:solidFill>
-                  <a:srgbClr val="008000"/>
-                </a:solidFill>
-                <a:latin typeface="Courier"/>
-                <a:cs typeface="Courier"/>
-              </a:rPr>
-              <a:t>&gt;</a:t>
-            </a:r>
-          </a:p>
-          <a:p>
-            <a:r>
-              <a:rPr lang="en-US" sz="1600" dirty="0">
-                <a:solidFill>
-                  <a:srgbClr val="008000"/>
-                </a:solidFill>
-                <a:latin typeface="Courier"/>
-                <a:cs typeface="Courier"/>
-              </a:rPr>
-              <a:t>      &lt;lower&gt;</a:t>
-            </a:r>
-            <a:r>
-              <a:rPr lang="en-US" sz="1600" dirty="0" smtClean="0">
-                <a:latin typeface="Courier"/>
-                <a:cs typeface="Courier"/>
-              </a:rPr>
-              <a:t>0.1</a:t>
-            </a:r>
-            <a:r>
-              <a:rPr lang="en-US" sz="1600" dirty="0" smtClean="0">
-                <a:solidFill>
-                  <a:srgbClr val="008000"/>
-                </a:solidFill>
-                <a:latin typeface="Courier"/>
-                <a:cs typeface="Courier"/>
-              </a:rPr>
-              <a:t>&lt;</a:t>
-            </a:r>
-            <a:r>
-              <a:rPr lang="en-US" sz="1600" dirty="0">
-                <a:solidFill>
-                  <a:srgbClr val="008000"/>
-                </a:solidFill>
-                <a:latin typeface="Courier"/>
-                <a:cs typeface="Courier"/>
-              </a:rPr>
-              <a:t>/lower&gt;</a:t>
-            </a:r>
-          </a:p>
-          <a:p>
-            <a:r>
-              <a:rPr lang="en-US" sz="1600" dirty="0">
-                <a:solidFill>
-                  <a:srgbClr val="008000"/>
-                </a:solidFill>
-                <a:latin typeface="Courier"/>
-                <a:cs typeface="Courier"/>
-              </a:rPr>
-              <a:t>      &lt;upper</a:t>
-            </a:r>
-            <a:r>
-              <a:rPr lang="en-US" sz="1600" dirty="0" smtClean="0">
-                <a:solidFill>
-                  <a:srgbClr val="008000"/>
-                </a:solidFill>
-                <a:latin typeface="Courier"/>
-                <a:cs typeface="Courier"/>
-              </a:rPr>
-              <a:t>&gt;</a:t>
-            </a:r>
-            <a:r>
-              <a:rPr lang="en-US" sz="1600" dirty="0" smtClean="0">
-                <a:latin typeface="Courier"/>
-                <a:cs typeface="Courier"/>
-              </a:rPr>
-              <a:t>0.9</a:t>
-            </a:r>
-            <a:r>
-              <a:rPr lang="en-US" sz="1600" dirty="0" smtClean="0">
-                <a:solidFill>
-                  <a:srgbClr val="008000"/>
-                </a:solidFill>
-                <a:latin typeface="Courier"/>
-                <a:cs typeface="Courier"/>
-              </a:rPr>
-              <a:t>&lt;</a:t>
-            </a:r>
-            <a:r>
-              <a:rPr lang="en-US" sz="1600" dirty="0">
-                <a:solidFill>
-                  <a:srgbClr val="008000"/>
-                </a:solidFill>
-                <a:latin typeface="Courier"/>
-                <a:cs typeface="Courier"/>
-              </a:rPr>
-              <a:t>/upper&gt;</a:t>
-            </a:r>
-            <a:endParaRPr lang="en-US" sz="1600" dirty="0">
-              <a:latin typeface="Courier"/>
-              <a:cs typeface="Courier"/>
-            </a:endParaRPr>
-          </a:p>
-          <a:p>
-            <a:r>
-              <a:rPr lang="en-US" sz="1600" dirty="0">
-                <a:solidFill>
-                  <a:srgbClr val="008000"/>
-                </a:solidFill>
-                <a:latin typeface="Courier"/>
-                <a:cs typeface="Courier"/>
-              </a:rPr>
-              <a:t>    &lt;/boundaries&gt;</a:t>
-            </a:r>
-          </a:p>
-          <a:p>
-            <a:r>
-              <a:rPr lang="en-US" sz="1600" dirty="0">
-                <a:solidFill>
-                  <a:srgbClr val="008000"/>
-                </a:solidFill>
-                <a:latin typeface="Courier"/>
-                <a:cs typeface="Courier"/>
-              </a:rPr>
-              <a:t>  &lt;/variable&gt;</a:t>
-            </a:r>
-          </a:p>
-          <a:p>
-            <a:r>
-              <a:rPr lang="en-US" sz="1600" dirty="0" smtClean="0">
-                <a:solidFill>
-                  <a:srgbClr val="008000"/>
-                </a:solidFill>
-                <a:latin typeface="Courier"/>
-                <a:cs typeface="Courier"/>
-              </a:rPr>
-              <a:t>&lt;</a:t>
-            </a:r>
-            <a:r>
-              <a:rPr lang="en-US" sz="1600" dirty="0">
-                <a:solidFill>
-                  <a:srgbClr val="008000"/>
-                </a:solidFill>
-                <a:latin typeface="Courier"/>
-                <a:cs typeface="Courier"/>
-              </a:rPr>
-              <a:t>/</a:t>
-            </a:r>
-            <a:r>
-              <a:rPr lang="en-US" sz="1600" dirty="0" err="1" smtClean="0">
-                <a:solidFill>
-                  <a:srgbClr val="008000"/>
-                </a:solidFill>
-                <a:latin typeface="Courier"/>
-                <a:cs typeface="Courier"/>
-              </a:rPr>
-              <a:t>ResponseSurfaceDesign</a:t>
-            </a:r>
-            <a:r>
-              <a:rPr lang="en-US" sz="1600" dirty="0" smtClean="0">
-                <a:solidFill>
-                  <a:srgbClr val="008000"/>
-                </a:solidFill>
-                <a:latin typeface="Courier"/>
-                <a:cs typeface="Courier"/>
-              </a:rPr>
-              <a:t>&gt;</a:t>
-            </a:r>
           </a:p>
         </p:txBody>
       </p:sp>
